--- a/Notes and Slides/CIS399Wk1Day1-Intro.pptx
+++ b/Notes and Slides/CIS399Wk1Day1-Intro.pptx
@@ -231,7 +231,7 @@
           <a:p>
             <a:fld id="{1FC32AA1-1225-9048-80C3-2B6F58548154}" type="datetimeFigureOut">
               <a:rPr lang="en-US" smtClean="0"/>
-              <a:t>6/26/17</a:t>
+              <a:t>6/25/18</a:t>
             </a:fld>
             <a:endParaRPr lang="en-US"/>
           </a:p>
@@ -295,38 +295,37 @@
           <a:p>
             <a:pPr lvl="0"/>
             <a:r>
-              <a:rPr lang="en-US" smtClean="0"/>
+              <a:rPr lang="en-US"/>
               <a:t>Click to edit Master text styles</a:t>
             </a:r>
           </a:p>
           <a:p>
             <a:pPr lvl="1"/>
             <a:r>
-              <a:rPr lang="en-US" smtClean="0"/>
+              <a:rPr lang="en-US"/>
               <a:t>Second level</a:t>
             </a:r>
           </a:p>
           <a:p>
             <a:pPr lvl="2"/>
             <a:r>
-              <a:rPr lang="en-US" smtClean="0"/>
+              <a:rPr lang="en-US"/>
               <a:t>Third level</a:t>
             </a:r>
           </a:p>
           <a:p>
             <a:pPr lvl="3"/>
             <a:r>
-              <a:rPr lang="en-US" smtClean="0"/>
+              <a:rPr lang="en-US"/>
               <a:t>Fourth level</a:t>
             </a:r>
           </a:p>
           <a:p>
             <a:pPr lvl="4"/>
             <a:r>
-              <a:rPr lang="en-US" smtClean="0"/>
+              <a:rPr lang="en-US"/>
               <a:t>Fifth level</a:t>
             </a:r>
-            <a:endParaRPr lang="en-US"/>
           </a:p>
         </p:txBody>
       </p:sp>
@@ -544,10 +543,9 @@
           <a:lstStyle/>
           <a:p>
             <a:r>
-              <a:rPr lang="en-US" dirty="0" smtClean="0"/>
+              <a:rPr lang="en-US" dirty="0"/>
               <a:t>Take roll</a:t>
             </a:r>
-            <a:endParaRPr lang="en-US" dirty="0"/>
           </a:p>
         </p:txBody>
       </p:sp>
@@ -632,18 +630,17 @@
           <a:lstStyle/>
           <a:p>
             <a:r>
-              <a:rPr lang="en-US" dirty="0" smtClean="0"/>
+              <a:rPr lang="en-US" dirty="0"/>
               <a:t>This</a:t>
             </a:r>
             <a:r>
-              <a:rPr lang="en-US" baseline="0" dirty="0" smtClean="0"/>
+              <a:rPr lang="en-US" baseline="0" dirty="0"/>
               <a:t> same graphic h</a:t>
             </a:r>
             <a:r>
-              <a:rPr lang="en-US" dirty="0" smtClean="0"/>
+              <a:rPr lang="en-US" dirty="0"/>
               <a:t>as a misleading title in the textbook</a:t>
             </a:r>
-            <a:endParaRPr lang="en-US" dirty="0"/>
           </a:p>
         </p:txBody>
       </p:sp>
@@ -745,12 +742,12 @@
               <a:defRPr/>
             </a:pPr>
             <a:r>
-              <a:rPr lang="en-US" dirty="0" smtClean="0">
+              <a:rPr lang="en-US" dirty="0">
                 <a:hlinkClick r:id="rId3"/>
               </a:rPr>
               <a:t>https://developer.android.com/studio/run/managing-avds.html</a:t>
             </a:r>
-            <a:endParaRPr lang="en-US" dirty="0" smtClean="0"/>
+            <a:endParaRPr lang="en-US" dirty="0"/>
           </a:p>
           <a:p>
             <a:endParaRPr lang="en-US" dirty="0"/>
@@ -922,17 +919,17 @@
           <a:lstStyle/>
           <a:p>
             <a:r>
-              <a:rPr lang="en-US" dirty="0" smtClean="0"/>
+              <a:rPr lang="en-US" dirty="0"/>
               <a:t>This is the outline for</a:t>
             </a:r>
             <a:r>
-              <a:rPr lang="en-US" baseline="0" dirty="0" smtClean="0"/>
+              <a:rPr lang="en-US" baseline="0" dirty="0"/>
               <a:t> today’s session</a:t>
             </a:r>
           </a:p>
           <a:p>
             <a:r>
-              <a:rPr lang="en-US" baseline="0" dirty="0" smtClean="0"/>
+              <a:rPr lang="en-US" baseline="0" dirty="0"/>
               <a:t>(Answers</a:t>
             </a:r>
             <a:endParaRPr lang="en-US" dirty="0"/>
@@ -1020,11 +1017,11 @@
           <a:lstStyle/>
           <a:p>
             <a:r>
-              <a:rPr lang="en-US" dirty="0" smtClean="0"/>
+              <a:rPr lang="en-US" dirty="0"/>
               <a:t>Pop</a:t>
             </a:r>
             <a:r>
-              <a:rPr lang="en-US" baseline="0" dirty="0" smtClean="0"/>
+              <a:rPr lang="en-US" baseline="0" dirty="0"/>
               <a:t> up the Collaborate whiteboard</a:t>
             </a:r>
             <a:endParaRPr lang="en-US" dirty="0"/>
@@ -1112,11 +1109,11 @@
           <a:lstStyle/>
           <a:p>
             <a:r>
-              <a:rPr lang="en-US" dirty="0" smtClean="0"/>
+              <a:rPr lang="en-US" dirty="0"/>
               <a:t>In 2010, Steve</a:t>
             </a:r>
             <a:r>
-              <a:rPr lang="en-US" baseline="0" dirty="0" smtClean="0"/>
+              <a:rPr lang="en-US" baseline="0" dirty="0"/>
               <a:t> Jobs famously announced the beginning of the “post-PC era”.</a:t>
             </a:r>
             <a:endParaRPr lang="en-US" dirty="0"/>
@@ -1372,18 +1369,17 @@
           <a:lstStyle/>
           <a:p>
             <a:r>
-              <a:rPr lang="en-US" dirty="0" smtClean="0"/>
+              <a:rPr lang="en-US" dirty="0"/>
               <a:t>Up to date data: http://</a:t>
             </a:r>
             <a:r>
-              <a:rPr lang="en-US" dirty="0" err="1" smtClean="0"/>
+              <a:rPr lang="en-US" dirty="0" err="1"/>
               <a:t>www.netmarketshare.com</a:t>
             </a:r>
             <a:r>
-              <a:rPr lang="en-US" dirty="0" smtClean="0"/>
+              <a:rPr lang="en-US" dirty="0"/>
               <a:t>/ </a:t>
             </a:r>
-            <a:endParaRPr lang="en-US" dirty="0"/>
           </a:p>
         </p:txBody>
       </p:sp>
@@ -1468,11 +1464,11 @@
           <a:lstStyle/>
           <a:p>
             <a:r>
-              <a:rPr lang="en-US" dirty="0" smtClean="0"/>
+              <a:rPr lang="en-US" dirty="0"/>
               <a:t>This is the outline for</a:t>
             </a:r>
             <a:r>
-              <a:rPr lang="en-US" baseline="0" dirty="0" smtClean="0"/>
+              <a:rPr lang="en-US" baseline="0" dirty="0"/>
               <a:t> today’s session</a:t>
             </a:r>
             <a:endParaRPr lang="en-US" dirty="0"/>
@@ -1560,33 +1556,33 @@
           <a:lstStyle/>
           <a:p>
             <a:r>
-              <a:rPr lang="en-US" dirty="0" smtClean="0"/>
+              <a:rPr lang="en-US" dirty="0"/>
               <a:t>The </a:t>
             </a:r>
             <a:r>
-              <a:rPr lang="en-US" dirty="0" err="1" smtClean="0"/>
+              <a:rPr lang="en-US" dirty="0" err="1"/>
               <a:t>Dalvik</a:t>
             </a:r>
             <a:r>
-              <a:rPr lang="en-US" dirty="0" smtClean="0"/>
+              <a:rPr lang="en-US" dirty="0"/>
               <a:t> VM</a:t>
             </a:r>
             <a:r>
-              <a:rPr lang="en-US" baseline="0" dirty="0" smtClean="0"/>
+              <a:rPr lang="en-US" baseline="0" dirty="0"/>
               <a:t> was replaced by ART (Android Runtime) in Android 4.4, </a:t>
             </a:r>
             <a:r>
-              <a:rPr lang="en-US" baseline="0" dirty="0" err="1" smtClean="0"/>
+              <a:rPr lang="en-US" baseline="0" dirty="0" err="1"/>
               <a:t>KitKat</a:t>
             </a:r>
             <a:r>
-              <a:rPr lang="en-US" baseline="0" dirty="0" smtClean="0"/>
+              <a:rPr lang="en-US" baseline="0" dirty="0"/>
               <a:t>.</a:t>
             </a:r>
           </a:p>
           <a:p>
             <a:r>
-              <a:rPr lang="en-US" baseline="0" dirty="0" smtClean="0"/>
+              <a:rPr lang="en-US" baseline="0" dirty="0"/>
               <a:t>Some framework libraries, like Location Manager are deprecated in favor of packages in Google Play Services</a:t>
             </a:r>
             <a:endParaRPr lang="en-US" dirty="0"/>
@@ -1667,10 +1663,9 @@
           <a:lstStyle/>
           <a:p>
             <a:r>
-              <a:rPr lang="en-US" smtClean="0"/>
+              <a:rPr lang="en-US"/>
               <a:t>Click to edit Master title style</a:t>
             </a:r>
-            <a:endParaRPr lang="en-US"/>
           </a:p>
         </p:txBody>
       </p:sp>
@@ -1786,10 +1781,9 @@
           </a:lstStyle>
           <a:p>
             <a:r>
-              <a:rPr lang="en-US" smtClean="0"/>
+              <a:rPr lang="en-US"/>
               <a:t>Click to edit Master subtitle style</a:t>
             </a:r>
-            <a:endParaRPr lang="en-US"/>
           </a:p>
         </p:txBody>
       </p:sp>
@@ -1810,7 +1804,7 @@
           <a:p>
             <a:fld id="{12110144-19AD-4D4E-902D-E18AF93089D3}" type="datetimeFigureOut">
               <a:rPr lang="en-US" smtClean="0"/>
-              <a:t>6/26/17</a:t>
+              <a:t>6/25/18</a:t>
             </a:fld>
             <a:endParaRPr lang="en-US"/>
           </a:p>
@@ -1904,10 +1898,9 @@
           <a:lstStyle/>
           <a:p>
             <a:r>
-              <a:rPr lang="en-US" smtClean="0"/>
+              <a:rPr lang="en-US"/>
               <a:t>Click to edit Master title style</a:t>
             </a:r>
-            <a:endParaRPr lang="en-US"/>
           </a:p>
         </p:txBody>
       </p:sp>
@@ -1928,38 +1921,37 @@
           <a:p>
             <a:pPr lvl="0"/>
             <a:r>
-              <a:rPr lang="en-US" smtClean="0"/>
+              <a:rPr lang="en-US"/>
               <a:t>Click to edit Master text styles</a:t>
             </a:r>
           </a:p>
           <a:p>
             <a:pPr lvl="1"/>
             <a:r>
-              <a:rPr lang="en-US" smtClean="0"/>
+              <a:rPr lang="en-US"/>
               <a:t>Second level</a:t>
             </a:r>
           </a:p>
           <a:p>
             <a:pPr lvl="2"/>
             <a:r>
-              <a:rPr lang="en-US" smtClean="0"/>
+              <a:rPr lang="en-US"/>
               <a:t>Third level</a:t>
             </a:r>
           </a:p>
           <a:p>
             <a:pPr lvl="3"/>
             <a:r>
-              <a:rPr lang="en-US" smtClean="0"/>
+              <a:rPr lang="en-US"/>
               <a:t>Fourth level</a:t>
             </a:r>
           </a:p>
           <a:p>
             <a:pPr lvl="4"/>
             <a:r>
-              <a:rPr lang="en-US" smtClean="0"/>
+              <a:rPr lang="en-US"/>
               <a:t>Fifth level</a:t>
             </a:r>
-            <a:endParaRPr lang="en-US"/>
           </a:p>
         </p:txBody>
       </p:sp>
@@ -1980,7 +1972,7 @@
           <a:p>
             <a:fld id="{12110144-19AD-4D4E-902D-E18AF93089D3}" type="datetimeFigureOut">
               <a:rPr lang="en-US" smtClean="0"/>
-              <a:t>6/26/17</a:t>
+              <a:t>6/25/18</a:t>
             </a:fld>
             <a:endParaRPr lang="en-US"/>
           </a:p>
@@ -2079,10 +2071,9 @@
           <a:lstStyle/>
           <a:p>
             <a:r>
-              <a:rPr lang="en-US" smtClean="0"/>
+              <a:rPr lang="en-US"/>
               <a:t>Click to edit Master title style</a:t>
             </a:r>
-            <a:endParaRPr lang="en-US"/>
           </a:p>
         </p:txBody>
       </p:sp>
@@ -2108,38 +2099,37 @@
           <a:p>
             <a:pPr lvl="0"/>
             <a:r>
-              <a:rPr lang="en-US" smtClean="0"/>
+              <a:rPr lang="en-US"/>
               <a:t>Click to edit Master text styles</a:t>
             </a:r>
           </a:p>
           <a:p>
             <a:pPr lvl="1"/>
             <a:r>
-              <a:rPr lang="en-US" smtClean="0"/>
+              <a:rPr lang="en-US"/>
               <a:t>Second level</a:t>
             </a:r>
           </a:p>
           <a:p>
             <a:pPr lvl="2"/>
             <a:r>
-              <a:rPr lang="en-US" smtClean="0"/>
+              <a:rPr lang="en-US"/>
               <a:t>Third level</a:t>
             </a:r>
           </a:p>
           <a:p>
             <a:pPr lvl="3"/>
             <a:r>
-              <a:rPr lang="en-US" smtClean="0"/>
+              <a:rPr lang="en-US"/>
               <a:t>Fourth level</a:t>
             </a:r>
           </a:p>
           <a:p>
             <a:pPr lvl="4"/>
             <a:r>
-              <a:rPr lang="en-US" smtClean="0"/>
+              <a:rPr lang="en-US"/>
               <a:t>Fifth level</a:t>
             </a:r>
-            <a:endParaRPr lang="en-US"/>
           </a:p>
         </p:txBody>
       </p:sp>
@@ -2160,7 +2150,7 @@
           <a:p>
             <a:fld id="{12110144-19AD-4D4E-902D-E18AF93089D3}" type="datetimeFigureOut">
               <a:rPr lang="en-US" smtClean="0"/>
-              <a:t>6/26/17</a:t>
+              <a:t>6/25/18</a:t>
             </a:fld>
             <a:endParaRPr lang="en-US"/>
           </a:p>
@@ -2254,10 +2244,9 @@
           <a:lstStyle/>
           <a:p>
             <a:r>
-              <a:rPr lang="en-US" smtClean="0"/>
+              <a:rPr lang="en-US"/>
               <a:t>Click to edit Master title style</a:t>
             </a:r>
-            <a:endParaRPr lang="en-US"/>
           </a:p>
         </p:txBody>
       </p:sp>
@@ -2278,38 +2267,37 @@
           <a:p>
             <a:pPr lvl="0"/>
             <a:r>
-              <a:rPr lang="en-US" smtClean="0"/>
+              <a:rPr lang="en-US"/>
               <a:t>Click to edit Master text styles</a:t>
             </a:r>
           </a:p>
           <a:p>
             <a:pPr lvl="1"/>
             <a:r>
-              <a:rPr lang="en-US" smtClean="0"/>
+              <a:rPr lang="en-US"/>
               <a:t>Second level</a:t>
             </a:r>
           </a:p>
           <a:p>
             <a:pPr lvl="2"/>
             <a:r>
-              <a:rPr lang="en-US" smtClean="0"/>
+              <a:rPr lang="en-US"/>
               <a:t>Third level</a:t>
             </a:r>
           </a:p>
           <a:p>
             <a:pPr lvl="3"/>
             <a:r>
-              <a:rPr lang="en-US" smtClean="0"/>
+              <a:rPr lang="en-US"/>
               <a:t>Fourth level</a:t>
             </a:r>
           </a:p>
           <a:p>
             <a:pPr lvl="4"/>
             <a:r>
-              <a:rPr lang="en-US" smtClean="0"/>
+              <a:rPr lang="en-US"/>
               <a:t>Fifth level</a:t>
             </a:r>
-            <a:endParaRPr lang="en-US"/>
           </a:p>
         </p:txBody>
       </p:sp>
@@ -2330,7 +2318,7 @@
           <a:p>
             <a:fld id="{12110144-19AD-4D4E-902D-E18AF93089D3}" type="datetimeFigureOut">
               <a:rPr lang="en-US" smtClean="0"/>
-              <a:t>6/26/17</a:t>
+              <a:t>6/25/18</a:t>
             </a:fld>
             <a:endParaRPr lang="en-US"/>
           </a:p>
@@ -2433,10 +2421,9 @@
           </a:lstStyle>
           <a:p>
             <a:r>
-              <a:rPr lang="en-US" smtClean="0"/>
+              <a:rPr lang="en-US"/>
               <a:t>Click to edit Master title style</a:t>
             </a:r>
-            <a:endParaRPr lang="en-US"/>
           </a:p>
         </p:txBody>
       </p:sp>
@@ -2553,7 +2540,7 @@
           <a:p>
             <a:pPr lvl="0"/>
             <a:r>
-              <a:rPr lang="en-US" smtClean="0"/>
+              <a:rPr lang="en-US"/>
               <a:t>Click to edit Master text styles</a:t>
             </a:r>
           </a:p>
@@ -2576,7 +2563,7 @@
           <a:p>
             <a:fld id="{12110144-19AD-4D4E-902D-E18AF93089D3}" type="datetimeFigureOut">
               <a:rPr lang="en-US" smtClean="0"/>
-              <a:t>6/26/17</a:t>
+              <a:t>6/25/18</a:t>
             </a:fld>
             <a:endParaRPr lang="en-US"/>
           </a:p>
@@ -2670,10 +2657,9 @@
           <a:lstStyle/>
           <a:p>
             <a:r>
-              <a:rPr lang="en-US" smtClean="0"/>
+              <a:rPr lang="en-US"/>
               <a:t>Click to edit Master title style</a:t>
             </a:r>
-            <a:endParaRPr lang="en-US"/>
           </a:p>
         </p:txBody>
       </p:sp>
@@ -2727,38 +2713,37 @@
           <a:p>
             <a:pPr lvl="0"/>
             <a:r>
-              <a:rPr lang="en-US" smtClean="0"/>
+              <a:rPr lang="en-US"/>
               <a:t>Click to edit Master text styles</a:t>
             </a:r>
           </a:p>
           <a:p>
             <a:pPr lvl="1"/>
             <a:r>
-              <a:rPr lang="en-US" smtClean="0"/>
+              <a:rPr lang="en-US"/>
               <a:t>Second level</a:t>
             </a:r>
           </a:p>
           <a:p>
             <a:pPr lvl="2"/>
             <a:r>
-              <a:rPr lang="en-US" smtClean="0"/>
+              <a:rPr lang="en-US"/>
               <a:t>Third level</a:t>
             </a:r>
           </a:p>
           <a:p>
             <a:pPr lvl="3"/>
             <a:r>
-              <a:rPr lang="en-US" smtClean="0"/>
+              <a:rPr lang="en-US"/>
               <a:t>Fourth level</a:t>
             </a:r>
           </a:p>
           <a:p>
             <a:pPr lvl="4"/>
             <a:r>
-              <a:rPr lang="en-US" smtClean="0"/>
+              <a:rPr lang="en-US"/>
               <a:t>Fifth level</a:t>
             </a:r>
-            <a:endParaRPr lang="en-US"/>
           </a:p>
         </p:txBody>
       </p:sp>
@@ -2812,38 +2797,37 @@
           <a:p>
             <a:pPr lvl="0"/>
             <a:r>
-              <a:rPr lang="en-US" smtClean="0"/>
+              <a:rPr lang="en-US"/>
               <a:t>Click to edit Master text styles</a:t>
             </a:r>
           </a:p>
           <a:p>
             <a:pPr lvl="1"/>
             <a:r>
-              <a:rPr lang="en-US" smtClean="0"/>
+              <a:rPr lang="en-US"/>
               <a:t>Second level</a:t>
             </a:r>
           </a:p>
           <a:p>
             <a:pPr lvl="2"/>
             <a:r>
-              <a:rPr lang="en-US" smtClean="0"/>
+              <a:rPr lang="en-US"/>
               <a:t>Third level</a:t>
             </a:r>
           </a:p>
           <a:p>
             <a:pPr lvl="3"/>
             <a:r>
-              <a:rPr lang="en-US" smtClean="0"/>
+              <a:rPr lang="en-US"/>
               <a:t>Fourth level</a:t>
             </a:r>
           </a:p>
           <a:p>
             <a:pPr lvl="4"/>
             <a:r>
-              <a:rPr lang="en-US" smtClean="0"/>
+              <a:rPr lang="en-US"/>
               <a:t>Fifth level</a:t>
             </a:r>
-            <a:endParaRPr lang="en-US"/>
           </a:p>
         </p:txBody>
       </p:sp>
@@ -2864,7 +2848,7 @@
           <a:p>
             <a:fld id="{12110144-19AD-4D4E-902D-E18AF93089D3}" type="datetimeFigureOut">
               <a:rPr lang="en-US" smtClean="0"/>
-              <a:t>6/26/17</a:t>
+              <a:t>6/25/18</a:t>
             </a:fld>
             <a:endParaRPr lang="en-US"/>
           </a:p>
@@ -2962,10 +2946,9 @@
           </a:lstStyle>
           <a:p>
             <a:r>
-              <a:rPr lang="en-US" smtClean="0"/>
+              <a:rPr lang="en-US"/>
               <a:t>Click to edit Master title style</a:t>
             </a:r>
-            <a:endParaRPr lang="en-US"/>
           </a:p>
         </p:txBody>
       </p:sp>
@@ -3028,7 +3011,7 @@
           <a:p>
             <a:pPr lvl="0"/>
             <a:r>
-              <a:rPr lang="en-US" smtClean="0"/>
+              <a:rPr lang="en-US"/>
               <a:t>Click to edit Master text styles</a:t>
             </a:r>
           </a:p>
@@ -3084,38 +3067,37 @@
           <a:p>
             <a:pPr lvl="0"/>
             <a:r>
-              <a:rPr lang="en-US" smtClean="0"/>
+              <a:rPr lang="en-US"/>
               <a:t>Click to edit Master text styles</a:t>
             </a:r>
           </a:p>
           <a:p>
             <a:pPr lvl="1"/>
             <a:r>
-              <a:rPr lang="en-US" smtClean="0"/>
+              <a:rPr lang="en-US"/>
               <a:t>Second level</a:t>
             </a:r>
           </a:p>
           <a:p>
             <a:pPr lvl="2"/>
             <a:r>
-              <a:rPr lang="en-US" smtClean="0"/>
+              <a:rPr lang="en-US"/>
               <a:t>Third level</a:t>
             </a:r>
           </a:p>
           <a:p>
             <a:pPr lvl="3"/>
             <a:r>
-              <a:rPr lang="en-US" smtClean="0"/>
+              <a:rPr lang="en-US"/>
               <a:t>Fourth level</a:t>
             </a:r>
           </a:p>
           <a:p>
             <a:pPr lvl="4"/>
             <a:r>
-              <a:rPr lang="en-US" smtClean="0"/>
+              <a:rPr lang="en-US"/>
               <a:t>Fifth level</a:t>
             </a:r>
-            <a:endParaRPr lang="en-US"/>
           </a:p>
         </p:txBody>
       </p:sp>
@@ -3178,7 +3160,7 @@
           <a:p>
             <a:pPr lvl="0"/>
             <a:r>
-              <a:rPr lang="en-US" smtClean="0"/>
+              <a:rPr lang="en-US"/>
               <a:t>Click to edit Master text styles</a:t>
             </a:r>
           </a:p>
@@ -3234,38 +3216,37 @@
           <a:p>
             <a:pPr lvl="0"/>
             <a:r>
-              <a:rPr lang="en-US" smtClean="0"/>
+              <a:rPr lang="en-US"/>
               <a:t>Click to edit Master text styles</a:t>
             </a:r>
           </a:p>
           <a:p>
             <a:pPr lvl="1"/>
             <a:r>
-              <a:rPr lang="en-US" smtClean="0"/>
+              <a:rPr lang="en-US"/>
               <a:t>Second level</a:t>
             </a:r>
           </a:p>
           <a:p>
             <a:pPr lvl="2"/>
             <a:r>
-              <a:rPr lang="en-US" smtClean="0"/>
+              <a:rPr lang="en-US"/>
               <a:t>Third level</a:t>
             </a:r>
           </a:p>
           <a:p>
             <a:pPr lvl="3"/>
             <a:r>
-              <a:rPr lang="en-US" smtClean="0"/>
+              <a:rPr lang="en-US"/>
               <a:t>Fourth level</a:t>
             </a:r>
           </a:p>
           <a:p>
             <a:pPr lvl="4"/>
             <a:r>
-              <a:rPr lang="en-US" smtClean="0"/>
+              <a:rPr lang="en-US"/>
               <a:t>Fifth level</a:t>
             </a:r>
-            <a:endParaRPr lang="en-US"/>
           </a:p>
         </p:txBody>
       </p:sp>
@@ -3286,7 +3267,7 @@
           <a:p>
             <a:fld id="{12110144-19AD-4D4E-902D-E18AF93089D3}" type="datetimeFigureOut">
               <a:rPr lang="en-US" smtClean="0"/>
-              <a:t>6/26/17</a:t>
+              <a:t>6/25/18</a:t>
             </a:fld>
             <a:endParaRPr lang="en-US"/>
           </a:p>
@@ -3380,10 +3361,9 @@
           <a:lstStyle/>
           <a:p>
             <a:r>
-              <a:rPr lang="en-US" smtClean="0"/>
+              <a:rPr lang="en-US"/>
               <a:t>Click to edit Master title style</a:t>
             </a:r>
-            <a:endParaRPr lang="en-US"/>
           </a:p>
         </p:txBody>
       </p:sp>
@@ -3404,7 +3384,7 @@
           <a:p>
             <a:fld id="{12110144-19AD-4D4E-902D-E18AF93089D3}" type="datetimeFigureOut">
               <a:rPr lang="en-US" smtClean="0"/>
-              <a:t>6/26/17</a:t>
+              <a:t>6/25/18</a:t>
             </a:fld>
             <a:endParaRPr lang="en-US"/>
           </a:p>
@@ -3499,7 +3479,7 @@
           <a:p>
             <a:fld id="{12110144-19AD-4D4E-902D-E18AF93089D3}" type="datetimeFigureOut">
               <a:rPr lang="en-US" smtClean="0"/>
-              <a:t>6/26/17</a:t>
+              <a:t>6/25/18</a:t>
             </a:fld>
             <a:endParaRPr lang="en-US"/>
           </a:p>
@@ -3602,10 +3582,9 @@
           </a:lstStyle>
           <a:p>
             <a:r>
-              <a:rPr lang="en-US" smtClean="0"/>
+              <a:rPr lang="en-US"/>
               <a:t>Click to edit Master title style</a:t>
             </a:r>
-            <a:endParaRPr lang="en-US"/>
           </a:p>
         </p:txBody>
       </p:sp>
@@ -3659,38 +3638,37 @@
           <a:p>
             <a:pPr lvl="0"/>
             <a:r>
-              <a:rPr lang="en-US" smtClean="0"/>
+              <a:rPr lang="en-US"/>
               <a:t>Click to edit Master text styles</a:t>
             </a:r>
           </a:p>
           <a:p>
             <a:pPr lvl="1"/>
             <a:r>
-              <a:rPr lang="en-US" smtClean="0"/>
+              <a:rPr lang="en-US"/>
               <a:t>Second level</a:t>
             </a:r>
           </a:p>
           <a:p>
             <a:pPr lvl="2"/>
             <a:r>
-              <a:rPr lang="en-US" smtClean="0"/>
+              <a:rPr lang="en-US"/>
               <a:t>Third level</a:t>
             </a:r>
           </a:p>
           <a:p>
             <a:pPr lvl="3"/>
             <a:r>
-              <a:rPr lang="en-US" smtClean="0"/>
+              <a:rPr lang="en-US"/>
               <a:t>Fourth level</a:t>
             </a:r>
           </a:p>
           <a:p>
             <a:pPr lvl="4"/>
             <a:r>
-              <a:rPr lang="en-US" smtClean="0"/>
+              <a:rPr lang="en-US"/>
               <a:t>Fifth level</a:t>
             </a:r>
-            <a:endParaRPr lang="en-US"/>
           </a:p>
         </p:txBody>
       </p:sp>
@@ -3753,7 +3731,7 @@
           <a:p>
             <a:pPr lvl="0"/>
             <a:r>
-              <a:rPr lang="en-US" smtClean="0"/>
+              <a:rPr lang="en-US"/>
               <a:t>Click to edit Master text styles</a:t>
             </a:r>
           </a:p>
@@ -3776,7 +3754,7 @@
           <a:p>
             <a:fld id="{12110144-19AD-4D4E-902D-E18AF93089D3}" type="datetimeFigureOut">
               <a:rPr lang="en-US" smtClean="0"/>
-              <a:t>6/26/17</a:t>
+              <a:t>6/25/18</a:t>
             </a:fld>
             <a:endParaRPr lang="en-US"/>
           </a:p>
@@ -3879,10 +3857,9 @@
           </a:lstStyle>
           <a:p>
             <a:r>
-              <a:rPr lang="en-US" smtClean="0"/>
+              <a:rPr lang="en-US"/>
               <a:t>Click to edit Master title style</a:t>
             </a:r>
-            <a:endParaRPr lang="en-US"/>
           </a:p>
         </p:txBody>
       </p:sp>
@@ -4006,7 +3983,7 @@
           <a:p>
             <a:pPr lvl="0"/>
             <a:r>
-              <a:rPr lang="en-US" smtClean="0"/>
+              <a:rPr lang="en-US"/>
               <a:t>Click to edit Master text styles</a:t>
             </a:r>
           </a:p>
@@ -4029,7 +4006,7 @@
           <a:p>
             <a:fld id="{12110144-19AD-4D4E-902D-E18AF93089D3}" type="datetimeFigureOut">
               <a:rPr lang="en-US" smtClean="0"/>
-              <a:t>6/26/17</a:t>
+              <a:t>6/25/18</a:t>
             </a:fld>
             <a:endParaRPr lang="en-US"/>
           </a:p>
@@ -4138,10 +4115,9 @@
           <a:lstStyle/>
           <a:p>
             <a:r>
-              <a:rPr lang="en-US" smtClean="0"/>
+              <a:rPr lang="en-US"/>
               <a:t>Click to edit Master title style</a:t>
             </a:r>
-            <a:endParaRPr lang="en-US"/>
           </a:p>
         </p:txBody>
       </p:sp>
@@ -4172,38 +4148,37 @@
           <a:p>
             <a:pPr lvl="0"/>
             <a:r>
-              <a:rPr lang="en-US" smtClean="0"/>
+              <a:rPr lang="en-US"/>
               <a:t>Click to edit Master text styles</a:t>
             </a:r>
           </a:p>
           <a:p>
             <a:pPr lvl="1"/>
             <a:r>
-              <a:rPr lang="en-US" smtClean="0"/>
+              <a:rPr lang="en-US"/>
               <a:t>Second level</a:t>
             </a:r>
           </a:p>
           <a:p>
             <a:pPr lvl="2"/>
             <a:r>
-              <a:rPr lang="en-US" smtClean="0"/>
+              <a:rPr lang="en-US"/>
               <a:t>Third level</a:t>
             </a:r>
           </a:p>
           <a:p>
             <a:pPr lvl="3"/>
             <a:r>
-              <a:rPr lang="en-US" smtClean="0"/>
+              <a:rPr lang="en-US"/>
               <a:t>Fourth level</a:t>
             </a:r>
           </a:p>
           <a:p>
             <a:pPr lvl="4"/>
             <a:r>
-              <a:rPr lang="en-US" smtClean="0"/>
+              <a:rPr lang="en-US"/>
               <a:t>Fifth level</a:t>
             </a:r>
-            <a:endParaRPr lang="en-US"/>
           </a:p>
         </p:txBody>
       </p:sp>
@@ -4242,7 +4217,7 @@
           <a:p>
             <a:fld id="{12110144-19AD-4D4E-902D-E18AF93089D3}" type="datetimeFigureOut">
               <a:rPr lang="en-US" smtClean="0"/>
-              <a:t>6/26/17</a:t>
+              <a:t>6/25/18</a:t>
             </a:fld>
             <a:endParaRPr lang="en-US"/>
           </a:p>
@@ -4658,57 +4633,48 @@
               </a:spcAft>
             </a:pPr>
             <a:r>
-              <a:rPr lang="en-US" sz="6600" dirty="0" smtClean="0"/>
+              <a:rPr lang="en-US" sz="6600" dirty="0"/>
               <a:t>Android</a:t>
             </a:r>
             <a:br>
-              <a:rPr lang="en-US" sz="6600" dirty="0" smtClean="0"/>
+              <a:rPr lang="en-US" sz="6600" dirty="0"/>
             </a:br>
             <a:r>
               <a:rPr lang="en-US" sz="2800" dirty="0"/>
               <a:t> </a:t>
             </a:r>
-            <a:r>
-              <a:rPr lang="en-US" sz="2800" dirty="0" smtClean="0"/>
-              <a:t/>
-            </a:r>
             <a:br>
-              <a:rPr lang="en-US" sz="2800" dirty="0" smtClean="0"/>
+              <a:rPr lang="en-US" sz="2800" dirty="0"/>
             </a:br>
             <a:r>
-              <a:rPr lang="en-US" sz="4000" dirty="0" smtClean="0"/>
+              <a:rPr lang="en-US" sz="4000" dirty="0"/>
               <a:t> </a:t>
             </a:r>
             <a:r>
-              <a:rPr lang="en-US" sz="6600" dirty="0" smtClean="0"/>
+              <a:rPr lang="en-US" sz="6600" dirty="0"/>
               <a:t>Mobile </a:t>
             </a:r>
             <a:br>
-              <a:rPr lang="en-US" sz="6600" dirty="0" smtClean="0"/>
+              <a:rPr lang="en-US" sz="6600" dirty="0"/>
             </a:br>
             <a:r>
-              <a:rPr lang="en-US" sz="6600" dirty="0" smtClean="0"/>
+              <a:rPr lang="en-US" sz="6600" dirty="0"/>
               <a:t>App</a:t>
             </a:r>
             <a:br>
-              <a:rPr lang="en-US" sz="6600" dirty="0" smtClean="0"/>
+              <a:rPr lang="en-US" sz="6600" dirty="0"/>
             </a:br>
-            <a:r>
-              <a:rPr lang="en-US" sz="2800" dirty="0" smtClean="0"/>
-              <a:t/>
-            </a:r>
             <a:br>
-              <a:rPr lang="en-US" sz="2800" dirty="0" smtClean="0"/>
+              <a:rPr lang="en-US" sz="2800" dirty="0"/>
             </a:br>
             <a:r>
-              <a:rPr lang="en-US" sz="2800" dirty="0" smtClean="0"/>
+              <a:rPr lang="en-US" sz="2800" dirty="0"/>
               <a:t>             </a:t>
             </a:r>
             <a:r>
-              <a:rPr lang="en-US" sz="6600" dirty="0" smtClean="0"/>
+              <a:rPr lang="en-US" sz="6600" dirty="0"/>
               <a:t>Development</a:t>
             </a:r>
-            <a:endParaRPr lang="en-US" sz="6600" dirty="0"/>
           </a:p>
         </p:txBody>
       </p:sp>
@@ -4735,7 +4701,7 @@
           <a:lstStyle/>
           <a:p>
             <a:r>
-              <a:rPr lang="en-US" sz="4400" dirty="0" smtClean="0">
+              <a:rPr lang="en-US" sz="4400" dirty="0">
                 <a:solidFill>
                   <a:schemeClr val="tx1"/>
                 </a:solidFill>
@@ -4743,25 +4709,20 @@
               <a:t>CIS </a:t>
             </a:r>
             <a:br>
-              <a:rPr lang="en-US" sz="4400" dirty="0" smtClean="0">
+              <a:rPr lang="en-US" sz="4400" dirty="0">
                 <a:solidFill>
                   <a:schemeClr val="tx1"/>
                 </a:solidFill>
               </a:rPr>
             </a:br>
             <a:r>
-              <a:rPr lang="en-US" sz="4400" dirty="0" smtClean="0">
+              <a:rPr lang="en-US" sz="4400" dirty="0">
                 <a:solidFill>
                   <a:schemeClr val="tx1"/>
                 </a:solidFill>
               </a:rPr>
               <a:t>399</a:t>
             </a:r>
-            <a:endParaRPr lang="en-US" sz="4400" dirty="0">
-              <a:solidFill>
-                <a:schemeClr val="tx1"/>
-              </a:solidFill>
-            </a:endParaRPr>
           </a:p>
         </p:txBody>
       </p:sp>
@@ -4836,10 +4797,9 @@
           <a:lstStyle/>
           <a:p>
             <a:r>
-              <a:rPr lang="en-US" dirty="0" smtClean="0"/>
+              <a:rPr lang="en-US" dirty="0"/>
               <a:t>Why learn Android app development?</a:t>
             </a:r>
-            <a:endParaRPr lang="en-US" dirty="0"/>
           </a:p>
         </p:txBody>
       </p:sp>
@@ -4862,12 +4822,12 @@
               <a:buNone/>
             </a:pPr>
             <a:r>
-              <a:rPr lang="en-US" dirty="0" smtClean="0"/>
+              <a:rPr lang="en-US" dirty="0"/>
               <a:t>Android users outnumber iOS users</a:t>
             </a:r>
           </a:p>
           <a:p>
-            <a:endParaRPr lang="en-US" dirty="0" smtClean="0"/>
+            <a:endParaRPr lang="en-US" dirty="0"/>
           </a:p>
         </p:txBody>
       </p:sp>
@@ -4917,16 +4877,8 @@
           <a:lstStyle/>
           <a:p>
             <a:r>
-              <a:rPr lang="en-US" dirty="0" smtClean="0"/>
-              <a:t>Units shipped, </a:t>
-            </a:r>
-            <a:r>
-              <a:rPr lang="en-US" dirty="0"/>
-              <a:t>s</a:t>
-            </a:r>
-            <a:r>
-              <a:rPr lang="en-US" dirty="0" smtClean="0"/>
-              <a:t>ource: IDC</a:t>
+              <a:rPr lang="en-US" dirty="0"/>
+              <a:t>Units shipped, source: IDC</a:t>
             </a:r>
           </a:p>
         </p:txBody>
@@ -5002,10 +4954,9 @@
           <a:lstStyle/>
           <a:p>
             <a:r>
-              <a:rPr lang="en-US" dirty="0" smtClean="0"/>
+              <a:rPr lang="en-US" dirty="0"/>
               <a:t>Market Share of US Smartphone Operating Systems in Q3, 2015</a:t>
             </a:r>
-            <a:endParaRPr lang="en-US" dirty="0"/>
           </a:p>
         </p:txBody>
       </p:sp>
@@ -5054,10 +5005,9 @@
           <a:lstStyle/>
           <a:p>
             <a:r>
-              <a:rPr lang="en-US" dirty="0" smtClean="0"/>
+              <a:rPr lang="en-US" dirty="0"/>
               <a:t>Source: The Nielson Company, 12/17/2015 </a:t>
             </a:r>
-            <a:endParaRPr lang="en-US" dirty="0"/>
           </a:p>
         </p:txBody>
       </p:sp>
@@ -5156,27 +5106,27 @@
             <a:pPr marL="0" indent="0">
               <a:buNone/>
             </a:pPr>
-            <a:endParaRPr lang="en-US" dirty="0" smtClean="0"/>
+            <a:endParaRPr lang="en-US" dirty="0"/>
           </a:p>
           <a:p>
             <a:pPr marL="0" indent="0">
               <a:buNone/>
             </a:pPr>
-            <a:endParaRPr lang="en-US" dirty="0" smtClean="0"/>
+            <a:endParaRPr lang="en-US" dirty="0"/>
           </a:p>
           <a:p>
             <a:pPr marL="0" indent="0" algn="ctr">
               <a:buNone/>
             </a:pPr>
             <a:r>
-              <a:rPr lang="en-US" dirty="0" smtClean="0"/>
+              <a:rPr lang="en-US" dirty="0"/>
               <a:t>What differences can you think of?</a:t>
             </a:r>
             <a:br>
-              <a:rPr lang="en-US" dirty="0" smtClean="0"/>
+              <a:rPr lang="en-US" dirty="0"/>
             </a:br>
             <a:r>
-              <a:rPr lang="en-US" dirty="0" smtClean="0"/>
+              <a:rPr lang="en-US" dirty="0"/>
               <a:t>(From a developer’s perspective)</a:t>
             </a:r>
           </a:p>
@@ -5253,10 +5203,9 @@
           <a:lstStyle/>
           <a:p>
             <a:r>
-              <a:rPr lang="en-US" dirty="0" smtClean="0"/>
+              <a:rPr lang="en-US" dirty="0"/>
               <a:t>Differences between desktop and mobile development</a:t>
             </a:r>
-            <a:endParaRPr lang="en-US" dirty="0"/>
           </a:p>
         </p:txBody>
       </p:sp>
@@ -5279,7 +5228,7 @@
           <a:p>
             <a:pPr lvl="2"/>
             <a:r>
-              <a:rPr lang="en-US" dirty="0" smtClean="0">
+              <a:rPr lang="en-US" dirty="0">
                 <a:effectLst/>
               </a:rPr>
               <a:t>Low power devices require apps that use less memory and processor power.</a:t>
@@ -5288,7 +5237,7 @@
           <a:p>
             <a:pPr lvl="2"/>
             <a:r>
-              <a:rPr lang="en-US" dirty="0" smtClean="0">
+              <a:rPr lang="en-US" dirty="0">
                 <a:effectLst/>
               </a:rPr>
               <a:t>Small screens and a wide variety of form factors and screen rotation require flexible UI designs</a:t>
@@ -5297,7 +5246,7 @@
           <a:p>
             <a:pPr lvl="2"/>
             <a:r>
-              <a:rPr lang="en-US" dirty="0" smtClean="0">
+              <a:rPr lang="en-US" dirty="0">
                 <a:effectLst/>
               </a:rPr>
               <a:t>Lack of true multi-tasking requires different app lifecycle management (this is changing)</a:t>
@@ -5306,7 +5255,7 @@
           <a:p>
             <a:pPr lvl="2"/>
             <a:r>
-              <a:rPr lang="en-US" dirty="0" smtClean="0">
+              <a:rPr lang="en-US" dirty="0">
                 <a:effectLst/>
               </a:rPr>
               <a:t>A wide variety of sensors can be used by the app.</a:t>
@@ -5315,7 +5264,7 @@
           <a:p>
             <a:pPr lvl="2"/>
             <a:r>
-              <a:rPr lang="en-US" dirty="0" smtClean="0">
+              <a:rPr lang="en-US" dirty="0">
                 <a:effectLst/>
               </a:rPr>
               <a:t>Connectivity to the internet is not always assured- apps need to handle intermittent connectivity.</a:t>
@@ -5324,7 +5273,7 @@
           <a:p>
             <a:pPr lvl="2"/>
             <a:r>
-              <a:rPr lang="en-US" dirty="0" smtClean="0">
+              <a:rPr lang="en-US" dirty="0">
                 <a:effectLst/>
               </a:rPr>
               <a:t>Users have higher expectations for responsiveness of the UI.</a:t>
@@ -5411,7 +5360,7 @@
               </a:spcBef>
             </a:pPr>
             <a:r>
-              <a:rPr lang="en-US" sz="3600" dirty="0" smtClean="0">
+              <a:rPr lang="en-US" sz="3600" dirty="0">
                 <a:effectLst/>
               </a:rPr>
               <a:t>Development environments</a:t>
@@ -5430,14 +5379,21 @@
             <p:ph idx="1"/>
           </p:nvPr>
         </p:nvSpPr>
-        <p:spPr/>
-        <p:txBody>
-          <a:bodyPr/>
+        <p:spPr>
+          <a:xfrm>
+            <a:off x="457200" y="1308294"/>
+            <a:ext cx="8229600" cy="5008100"/>
+          </a:xfrm>
+        </p:spPr>
+        <p:txBody>
+          <a:bodyPr>
+            <a:normAutofit/>
+          </a:bodyPr>
           <a:lstStyle/>
           <a:p>
             <a:pPr lvl="2"/>
             <a:r>
-              <a:rPr lang="en-US" dirty="0" smtClean="0">
+              <a:rPr lang="en-US" dirty="0">
                 <a:effectLst/>
               </a:rPr>
               <a:t>iOS: Objective C or Swift using X-Code</a:t>
@@ -5446,71 +5402,107 @@
           <a:p>
             <a:pPr lvl="2"/>
             <a:r>
-              <a:rPr lang="en-US" dirty="0" smtClean="0">
+              <a:rPr lang="en-US" dirty="0">
                 <a:effectLst/>
               </a:rPr>
-              <a:t>Android: Java using </a:t>
-            </a:r>
-            <a:r>
-              <a:rPr lang="en-US" dirty="0" smtClean="0">
+              <a:t>Android: Java or Kotlin using Android Studio (intelliJ)</a:t>
+            </a:r>
+          </a:p>
+          <a:p>
+            <a:pPr lvl="2"/>
+            <a:r>
+              <a:rPr lang="en-US" dirty="0">
                 <a:effectLst/>
               </a:rPr>
-              <a:t>Android </a:t>
-            </a:r>
-            <a:r>
-              <a:rPr lang="en-US" dirty="0" smtClean="0">
+              <a:t>Cross-platform</a:t>
+            </a:r>
+          </a:p>
+          <a:p>
+            <a:pPr lvl="3"/>
+            <a:r>
+              <a:rPr lang="en-US" dirty="0">
                 <a:effectLst/>
               </a:rPr>
-              <a:t>Studio (intelliJ)</a:t>
-            </a:r>
-          </a:p>
-          <a:p>
-            <a:pPr lvl="2"/>
-            <a:r>
-              <a:rPr lang="en-US" dirty="0" smtClean="0">
+              <a:t>HTML5 &amp; JavaScript: Apache Cordova (Phone-gap, etc.), Ionic, React Native, etc.</a:t>
+            </a:r>
+          </a:p>
+          <a:p>
+            <a:pPr lvl="4"/>
+            <a:r>
+              <a:rPr lang="en-US" dirty="0"/>
+              <a:t>Full app runs on iOS and Android</a:t>
+            </a:r>
+            <a:endParaRPr lang="en-US" dirty="0">
+              <a:effectLst/>
+            </a:endParaRPr>
+          </a:p>
+          <a:p>
+            <a:pPr lvl="3"/>
+            <a:r>
+              <a:rPr lang="en-US" dirty="0">
                 <a:effectLst/>
               </a:rPr>
-              <a:t>Cross-platform using HTML5 &amp; JavaScript: Apache Cordova (Phone-gap, etc</a:t>
-            </a:r>
-            <a:r>
-              <a:rPr lang="en-US" dirty="0" smtClean="0">
+              <a:t>C#, .and NET with Xamarin: </a:t>
+            </a:r>
+          </a:p>
+          <a:p>
+            <a:pPr lvl="4"/>
+            <a:r>
+              <a:rPr lang="en-US" dirty="0"/>
+              <a:t>Windows, Linux (limited), Mac OS, iOS, and Android</a:t>
+            </a:r>
+          </a:p>
+          <a:p>
+            <a:pPr lvl="4"/>
+            <a:r>
+              <a:rPr lang="en-US" dirty="0"/>
+              <a:t>Native UIs:</a:t>
+            </a:r>
+            <a:r>
+              <a:rPr lang="en-US" dirty="0">
                 <a:effectLst/>
               </a:rPr>
-              <a:t>.), Ionic, React Native, etc.</a:t>
-            </a:r>
-            <a:endParaRPr lang="en-US" dirty="0" smtClean="0">
+              <a:t> All code except the UI is portable</a:t>
+            </a:r>
+          </a:p>
+          <a:p>
+            <a:pPr lvl="4"/>
+            <a:r>
+              <a:rPr lang="en-US" dirty="0"/>
+              <a:t>Xamarin Forms (XAML): The whole app is portable</a:t>
+            </a:r>
+            <a:endParaRPr lang="en-US" dirty="0">
               <a:effectLst/>
             </a:endParaRPr>
           </a:p>
           <a:p>
-            <a:pPr lvl="2"/>
-            <a:r>
-              <a:rPr lang="en-US" dirty="0" smtClean="0">
+            <a:pPr lvl="3"/>
+            <a:r>
+              <a:rPr lang="en-US" dirty="0"/>
+              <a:t>Dart with Flutter</a:t>
+            </a:r>
+          </a:p>
+          <a:p>
+            <a:pPr lvl="4"/>
+            <a:r>
+              <a:rPr lang="en-US" dirty="0">
                 <a:effectLst/>
               </a:rPr>
-              <a:t>Cross-platform native code: Xamarin. All code except the UI is portable across Windows, Linux, </a:t>
-            </a:r>
-            <a:r>
-              <a:rPr lang="en-US" dirty="0" smtClean="0">
+              <a:t>Requires </a:t>
+            </a:r>
+            <a:r>
+              <a:rPr lang="en-US" dirty="0"/>
+              <a:t>Flutter app engine</a:t>
+            </a:r>
+          </a:p>
+          <a:p>
+            <a:pPr lvl="4"/>
+            <a:r>
+              <a:rPr lang="en-US" dirty="0">
                 <a:effectLst/>
               </a:rPr>
-              <a:t>Mac OS, </a:t>
-            </a:r>
-            <a:r>
-              <a:rPr lang="en-US" dirty="0" smtClean="0">
-                <a:effectLst/>
-              </a:rPr>
-              <a:t>iOS, </a:t>
-            </a:r>
-            <a:r>
-              <a:rPr lang="en-US" dirty="0" smtClean="0">
-                <a:effectLst/>
-              </a:rPr>
-              <a:t>and Android.</a:t>
-            </a:r>
-            <a:endParaRPr lang="en-US" dirty="0" smtClean="0">
-              <a:effectLst/>
-            </a:endParaRPr>
+              <a:t>Full app runs on Android and iOS</a:t>
+            </a:r>
           </a:p>
           <a:p>
             <a:pPr marL="0" indent="0">
@@ -5589,10 +5581,9 @@
           <a:lstStyle/>
           <a:p>
             <a:r>
-              <a:rPr lang="en-US" dirty="0" smtClean="0"/>
+              <a:rPr lang="en-US" dirty="0"/>
               <a:t>Syllabus</a:t>
             </a:r>
-            <a:endParaRPr lang="en-US" dirty="0"/>
           </a:p>
         </p:txBody>
       </p:sp>
@@ -5615,7 +5606,7 @@
               <a:buNone/>
             </a:pPr>
             <a:r>
-              <a:rPr lang="en-US" dirty="0" smtClean="0"/>
+              <a:rPr lang="en-US" dirty="0"/>
               <a:t>Let’s look at the syllabus together. </a:t>
             </a:r>
           </a:p>
@@ -5624,12 +5615,12 @@
               <a:buNone/>
             </a:pPr>
             <a:r>
-              <a:rPr lang="en-US" dirty="0" smtClean="0"/>
+              <a:rPr lang="en-US" dirty="0"/>
               <a:t>It’s available on Canvas</a:t>
             </a:r>
           </a:p>
           <a:p>
-            <a:endParaRPr lang="en-US" dirty="0" smtClean="0"/>
+            <a:endParaRPr lang="en-US" dirty="0"/>
           </a:p>
           <a:p>
             <a:pPr marL="0" indent="0">
@@ -5708,10 +5699,9 @@
           <a:lstStyle/>
           <a:p>
             <a:r>
-              <a:rPr lang="en-US" dirty="0" smtClean="0"/>
+              <a:rPr lang="en-US" dirty="0"/>
               <a:t>Reading and Labs</a:t>
             </a:r>
-            <a:endParaRPr lang="en-US" dirty="0"/>
           </a:p>
         </p:txBody>
       </p:sp>
@@ -5734,7 +5724,7 @@
               <a:buNone/>
             </a:pPr>
             <a:r>
-              <a:rPr lang="en-US" dirty="0" smtClean="0"/>
+              <a:rPr lang="en-US" dirty="0"/>
               <a:t>Let’s look at this week’s assignments on Canvas. </a:t>
             </a:r>
           </a:p>
@@ -5742,7 +5732,7 @@
             <a:pPr marL="0" indent="0">
               <a:buNone/>
             </a:pPr>
-            <a:endParaRPr lang="en-US" dirty="0" smtClean="0"/>
+            <a:endParaRPr lang="en-US" dirty="0"/>
           </a:p>
           <a:p>
             <a:pPr marL="0" indent="0">
@@ -5824,7 +5814,7 @@
           <a:p>
             <a:pPr lvl="0"/>
             <a:r>
-              <a:rPr lang="en-US" dirty="0" smtClean="0">
+              <a:rPr lang="en-US" dirty="0">
                 <a:effectLst/>
               </a:rPr>
               <a:t>Environment for Android App Development</a:t>
@@ -5852,17 +5842,17 @@
               <a:buNone/>
             </a:pPr>
             <a:r>
-              <a:rPr lang="en-US" dirty="0" smtClean="0"/>
+              <a:rPr lang="en-US" dirty="0"/>
               <a:t>The Android Studio installer will install everything needed:</a:t>
             </a:r>
-            <a:endParaRPr lang="en-US" dirty="0" smtClean="0">
+            <a:endParaRPr lang="en-US" dirty="0">
               <a:effectLst/>
             </a:endParaRPr>
           </a:p>
           <a:p>
             <a:pPr lvl="2"/>
             <a:r>
-              <a:rPr lang="en-US" dirty="0" smtClean="0">
+              <a:rPr lang="en-US" dirty="0">
                 <a:effectLst/>
               </a:rPr>
               <a:t>Java SDK (if it isn’t already installed)</a:t>
@@ -5871,7 +5861,7 @@
           <a:p>
             <a:pPr lvl="2"/>
             <a:r>
-              <a:rPr lang="en-US" dirty="0" smtClean="0">
+              <a:rPr lang="en-US" dirty="0">
                 <a:effectLst/>
               </a:rPr>
               <a:t>Android SDK</a:t>
@@ -5880,18 +5870,18 @@
           <a:p>
             <a:pPr lvl="2"/>
             <a:r>
-              <a:rPr lang="en-US" dirty="0" smtClean="0">
+              <a:rPr lang="en-US" dirty="0">
                 <a:effectLst/>
               </a:rPr>
               <a:t>Android Studio IDE</a:t>
             </a:r>
             <a:br>
-              <a:rPr lang="en-US" dirty="0" smtClean="0">
+              <a:rPr lang="en-US" dirty="0">
                 <a:effectLst/>
               </a:rPr>
             </a:br>
             <a:r>
-              <a:rPr lang="en-US" dirty="0" smtClean="0">
+              <a:rPr lang="en-US" dirty="0">
                 <a:effectLst/>
               </a:rPr>
               <a:t> based on IntelliJ IDEA by JetBrains</a:t>
@@ -5982,7 +5972,7 @@
               <a:t>T</a:t>
             </a:r>
             <a:r>
-              <a:rPr lang="en-US" sz="3600" dirty="0" smtClean="0">
+              <a:rPr lang="en-US" sz="3600" dirty="0">
                 <a:effectLst/>
               </a:rPr>
               <a:t>esting and Emulators for Android</a:t>
@@ -6009,7 +5999,7 @@
           <a:lstStyle/>
           <a:p>
             <a:r>
-              <a:rPr lang="en-US" dirty="0" smtClean="0">
+              <a:rPr lang="en-US" dirty="0">
                 <a:effectLst/>
               </a:rPr>
               <a:t>Android Debug Bridge (part of the Android SDK)</a:t>
@@ -6019,13 +6009,13 @@
           <a:p>
             <a:pPr lvl="1"/>
             <a:r>
-              <a:rPr lang="en-US" dirty="0" smtClean="0"/>
+              <a:rPr lang="en-US" dirty="0"/>
               <a:t>Connects the IDE to a device or Emulator</a:t>
             </a:r>
           </a:p>
           <a:p>
             <a:r>
-              <a:rPr lang="en-US" dirty="0" smtClean="0">
+              <a:rPr lang="en-US" dirty="0">
                 <a:effectLst/>
               </a:rPr>
               <a:t>Google Emulator (part of the Android SDK)</a:t>
@@ -6034,51 +6024,35 @@
           <a:p>
             <a:pPr lvl="1"/>
             <a:r>
-              <a:rPr lang="en-US" dirty="0" smtClean="0"/>
-              <a:t>Notoriously slow unless you use Haxm (Hardware </a:t>
-            </a:r>
-            <a:r>
-              <a:rPr lang="en-US" dirty="0"/>
-              <a:t>A</a:t>
-            </a:r>
-            <a:r>
-              <a:rPr lang="en-US" dirty="0" smtClean="0"/>
-              <a:t>cceleration </a:t>
-            </a:r>
-            <a:r>
-              <a:rPr lang="en-US" dirty="0"/>
-              <a:t>M</a:t>
-            </a:r>
-            <a:r>
-              <a:rPr lang="en-US" dirty="0" smtClean="0"/>
-              <a:t>anager)</a:t>
-            </a:r>
-            <a:endParaRPr lang="en-US" dirty="0" smtClean="0">
+              <a:rPr lang="en-US" dirty="0"/>
+              <a:t>Notoriously slow unless you use Haxm (Hardware Acceleration Manager)</a:t>
+            </a:r>
+            <a:endParaRPr lang="en-US" dirty="0">
               <a:effectLst/>
             </a:endParaRPr>
           </a:p>
           <a:p>
             <a:r>
-              <a:rPr lang="en-US" dirty="0" smtClean="0">
+              <a:rPr lang="en-US" dirty="0">
                 <a:effectLst/>
               </a:rPr>
               <a:t>Intel Haxm</a:t>
             </a:r>
-            <a:endParaRPr lang="en-US" dirty="0" smtClean="0"/>
+            <a:endParaRPr lang="en-US" dirty="0"/>
           </a:p>
           <a:p>
             <a:pPr lvl="1"/>
             <a:r>
-              <a:rPr lang="en-US" dirty="0" smtClean="0"/>
+              <a:rPr lang="en-US" dirty="0"/>
               <a:t>Downloadable via the Android SDK Manager</a:t>
             </a:r>
-            <a:endParaRPr lang="en-US" dirty="0" smtClean="0">
+            <a:endParaRPr lang="en-US" dirty="0">
               <a:effectLst/>
             </a:endParaRPr>
           </a:p>
           <a:p>
             <a:r>
-              <a:rPr lang="en-US" dirty="0" smtClean="0">
+              <a:rPr lang="en-US" dirty="0">
                 <a:effectLst/>
               </a:rPr>
               <a:t>GenyMotion</a:t>
@@ -6090,24 +6064,17 @@
               <a:rPr lang="en-US" dirty="0">
                 <a:hlinkClick r:id="rId2"/>
               </a:rPr>
-              <a:t>https://www.genymotion.com/pricing-and-</a:t>
-            </a:r>
-            <a:r>
-              <a:rPr lang="en-US" dirty="0" smtClean="0">
-                <a:hlinkClick r:id="rId2"/>
-              </a:rPr>
-              <a:t>licensing</a:t>
-            </a:r>
-            <a:r>
-              <a:rPr lang="en-US" dirty="0" smtClean="0"/>
+              <a:t>https://www.genymotion.com/pricing-and-licensing</a:t>
+            </a:r>
+            <a:r>
+              <a:rPr lang="en-US" dirty="0"/>
               <a:t> </a:t>
             </a:r>
-            <a:endParaRPr lang="en-US" dirty="0"/>
           </a:p>
           <a:p>
             <a:pPr lvl="1"/>
             <a:r>
-              <a:rPr lang="en-US" dirty="0" smtClean="0">
+              <a:rPr lang="en-US" dirty="0">
                 <a:effectLst/>
               </a:rPr>
               <a:t>The Individual, Basic plan is free</a:t>
@@ -6115,7 +6082,7 @@
           </a:p>
           <a:p>
             <a:r>
-              <a:rPr lang="en-US" dirty="0" smtClean="0">
+              <a:rPr lang="en-US" dirty="0">
                 <a:effectLst/>
               </a:rPr>
               <a:t>Actual Android device</a:t>
@@ -6207,7 +6174,7 @@
               </a:spcBef>
             </a:pPr>
             <a:r>
-              <a:rPr lang="en-US" sz="3600" dirty="0" smtClean="0">
+              <a:rPr lang="en-US" sz="3600" dirty="0">
                 <a:effectLst/>
               </a:rPr>
               <a:t>Android Stack</a:t>
@@ -6306,10 +6273,9 @@
               <a:defRPr/>
             </a:pPr>
             <a:r>
-              <a:rPr lang="en-US" dirty="0" smtClean="0"/>
+              <a:rPr lang="en-US" dirty="0"/>
               <a:t>© 2015, Mike Murach &amp; Associates, Inc.</a:t>
             </a:r>
-            <a:endParaRPr lang="en-US" dirty="0"/>
           </a:p>
         </p:txBody>
       </p:sp>
@@ -6382,10 +6348,9 @@
           <a:lstStyle/>
           <a:p>
             <a:r>
-              <a:rPr lang="en-US" dirty="0" smtClean="0"/>
+              <a:rPr lang="en-US" dirty="0"/>
               <a:t>Course Overview</a:t>
             </a:r>
-            <a:endParaRPr lang="en-US" dirty="0"/>
           </a:p>
         </p:txBody>
       </p:sp>
@@ -6415,8 +6380,20 @@
                 <a:tableStyleId>{5C22544A-7EE6-4342-B048-85BDC9FD1C3A}</a:tableStyleId>
               </a:tblPr>
               <a:tblGrid>
-                <a:gridCol w="511701"/>
-                <a:gridCol w="3299499"/>
+                <a:gridCol w="511701">
+                  <a:extLst>
+                    <a:ext uri="{9D8B030D-6E8A-4147-A177-3AD203B41FA5}">
+                      <a16:colId xmlns:a16="http://schemas.microsoft.com/office/drawing/2014/main" val="20000"/>
+                    </a:ext>
+                  </a:extLst>
+                </a:gridCol>
+                <a:gridCol w="3299499">
+                  <a:extLst>
+                    <a:ext uri="{9D8B030D-6E8A-4147-A177-3AD203B41FA5}">
+                      <a16:colId xmlns:a16="http://schemas.microsoft.com/office/drawing/2014/main" val="20001"/>
+                    </a:ext>
+                  </a:extLst>
+                </a:gridCol>
               </a:tblGrid>
               <a:tr h="428284">
                 <a:tc>
@@ -6425,10 +6402,9 @@
                     <a:lstStyle/>
                     <a:p>
                       <a:r>
-                        <a:rPr lang="en-US" dirty="0" smtClean="0"/>
+                        <a:rPr lang="en-US" dirty="0"/>
                         <a:t>Wk</a:t>
                       </a:r>
-                      <a:endParaRPr lang="en-US" dirty="0"/>
                     </a:p>
                   </a:txBody>
                   <a:tcPr/>
@@ -6439,14 +6415,18 @@
                     <a:lstStyle/>
                     <a:p>
                       <a:r>
-                        <a:rPr lang="en-US" dirty="0" smtClean="0"/>
+                        <a:rPr lang="en-US" dirty="0"/>
                         <a:t>Topic</a:t>
                       </a:r>
-                      <a:endParaRPr lang="en-US" dirty="0"/>
                     </a:p>
                   </a:txBody>
                   <a:tcPr/>
                 </a:tc>
+                <a:extLst>
+                  <a:ext uri="{0D108BD9-81ED-4DB2-BD59-A6C34878D82A}">
+                    <a16:rowId xmlns:a16="http://schemas.microsoft.com/office/drawing/2014/main" val="10000"/>
+                  </a:ext>
+                </a:extLst>
               </a:tr>
               <a:tr h="428284">
                 <a:tc>
@@ -6455,10 +6435,9 @@
                     <a:lstStyle/>
                     <a:p>
                       <a:r>
-                        <a:rPr lang="en-US" sz="2800" dirty="0" smtClean="0"/>
+                        <a:rPr lang="en-US" sz="2800" dirty="0"/>
                         <a:t>1</a:t>
                       </a:r>
-                      <a:endParaRPr lang="en-US" sz="2800" dirty="0"/>
                     </a:p>
                   </a:txBody>
                   <a:tcPr/>
@@ -6486,28 +6465,33 @@
                         <a:defRPr/>
                       </a:pPr>
                       <a:r>
-                        <a:rPr lang="en-US" sz="2800" dirty="0" smtClean="0"/>
+                        <a:rPr lang="en-US" sz="2800" dirty="0"/>
                         <a:t>Intro</a:t>
                       </a:r>
                       <a:r>
-                        <a:rPr lang="en-US" sz="2800" baseline="0" dirty="0" smtClean="0"/>
+                        <a:rPr lang="en-US" sz="2800" baseline="0" dirty="0"/>
                         <a:t> +</a:t>
                       </a:r>
                       <a:r>
-                        <a:rPr lang="en-US" sz="2800" dirty="0" smtClean="0"/>
+                        <a:rPr lang="en-US" sz="2800" dirty="0"/>
                         <a:t> </a:t>
                       </a:r>
                       <a:br>
-                        <a:rPr lang="en-US" sz="2800" dirty="0" smtClean="0"/>
+                        <a:rPr lang="en-US" sz="2800" dirty="0"/>
                       </a:br>
                       <a:r>
-                        <a:rPr lang="en-US" sz="2800" dirty="0" smtClean="0"/>
+                        <a:rPr lang="en-US" sz="2800" dirty="0"/>
                         <a:t>single-screen apps</a:t>
                       </a:r>
                     </a:p>
                   </a:txBody>
                   <a:tcPr/>
                 </a:tc>
+                <a:extLst>
+                  <a:ext uri="{0D108BD9-81ED-4DB2-BD59-A6C34878D82A}">
+                    <a16:rowId xmlns:a16="http://schemas.microsoft.com/office/drawing/2014/main" val="10001"/>
+                  </a:ext>
+                </a:extLst>
               </a:tr>
               <a:tr h="428284">
                 <a:tc>
@@ -6516,10 +6500,9 @@
                     <a:lstStyle/>
                     <a:p>
                       <a:r>
-                        <a:rPr lang="en-US" sz="2800" dirty="0" smtClean="0"/>
+                        <a:rPr lang="en-US" sz="2800" dirty="0"/>
                         <a:t>1</a:t>
                       </a:r>
-                      <a:endParaRPr lang="en-US" sz="2800" dirty="0"/>
                     </a:p>
                   </a:txBody>
                   <a:tcPr/>
@@ -6547,18 +6530,23 @@
                         <a:defRPr/>
                       </a:pPr>
                       <a:r>
-                        <a:rPr lang="en-US" sz="2800" dirty="0" smtClean="0"/>
+                        <a:rPr lang="en-US" sz="2800" dirty="0"/>
                         <a:t>Activity Lifecycle + saving</a:t>
                       </a:r>
                       <a:r>
-                        <a:rPr lang="en-US" sz="2800" baseline="0" dirty="0" smtClean="0"/>
+                        <a:rPr lang="en-US" sz="2800" baseline="0" dirty="0"/>
                         <a:t> activity state</a:t>
                       </a:r>
-                      <a:endParaRPr lang="en-US" sz="2800" dirty="0" smtClean="0"/>
+                      <a:endParaRPr lang="en-US" sz="2800" dirty="0"/>
                     </a:p>
                   </a:txBody>
                   <a:tcPr/>
                 </a:tc>
+                <a:extLst>
+                  <a:ext uri="{0D108BD9-81ED-4DB2-BD59-A6C34878D82A}">
+                    <a16:rowId xmlns:a16="http://schemas.microsoft.com/office/drawing/2014/main" val="10002"/>
+                  </a:ext>
+                </a:extLst>
               </a:tr>
               <a:tr h="428284">
                 <a:tc>
@@ -6567,10 +6555,9 @@
                     <a:lstStyle/>
                     <a:p>
                       <a:r>
-                        <a:rPr lang="en-US" sz="2800" dirty="0" smtClean="0"/>
+                        <a:rPr lang="en-US" sz="2800" dirty="0"/>
                         <a:t>2</a:t>
                       </a:r>
-                      <a:endParaRPr lang="en-US" sz="2800" dirty="0"/>
                     </a:p>
                   </a:txBody>
                   <a:tcPr/>
@@ -6598,14 +6585,19 @@
                         <a:defRPr/>
                       </a:pPr>
                       <a:r>
-                        <a:rPr lang="en-US" sz="2800" baseline="0" dirty="0" smtClean="0"/>
+                        <a:rPr lang="en-US" sz="2800" baseline="0" dirty="0"/>
                         <a:t>Menus and themes</a:t>
                       </a:r>
-                      <a:endParaRPr lang="en-US" sz="2800" dirty="0" smtClean="0"/>
+                      <a:endParaRPr lang="en-US" sz="2800" dirty="0"/>
                     </a:p>
                   </a:txBody>
                   <a:tcPr/>
                 </a:tc>
+                <a:extLst>
+                  <a:ext uri="{0D108BD9-81ED-4DB2-BD59-A6C34878D82A}">
+                    <a16:rowId xmlns:a16="http://schemas.microsoft.com/office/drawing/2014/main" val="10003"/>
+                  </a:ext>
+                </a:extLst>
               </a:tr>
               <a:tr h="428284">
                 <a:tc>
@@ -6614,10 +6606,9 @@
                     <a:lstStyle/>
                     <a:p>
                       <a:r>
-                        <a:rPr lang="en-US" sz="2800" dirty="0" smtClean="0"/>
+                        <a:rPr lang="en-US" sz="2800" dirty="0"/>
                         <a:t>2</a:t>
                       </a:r>
-                      <a:endParaRPr lang="en-US" sz="2800" dirty="0"/>
                     </a:p>
                   </a:txBody>
                   <a:tcPr/>
@@ -6645,18 +6636,23 @@
                         <a:defRPr/>
                       </a:pPr>
                       <a:r>
-                        <a:rPr lang="en-US" sz="2800" dirty="0" smtClean="0"/>
+                        <a:rPr lang="en-US" sz="2800" dirty="0"/>
                         <a:t>Multi-screen</a:t>
                       </a:r>
                       <a:r>
-                        <a:rPr lang="en-US" sz="2800" baseline="0" dirty="0" smtClean="0"/>
+                        <a:rPr lang="en-US" sz="2800" baseline="0" dirty="0"/>
                         <a:t> apps</a:t>
                       </a:r>
-                      <a:endParaRPr lang="en-US" sz="2800" dirty="0" smtClean="0"/>
+                      <a:endParaRPr lang="en-US" sz="2800" dirty="0"/>
                     </a:p>
                   </a:txBody>
                   <a:tcPr/>
                 </a:tc>
+                <a:extLst>
+                  <a:ext uri="{0D108BD9-81ED-4DB2-BD59-A6C34878D82A}">
+                    <a16:rowId xmlns:a16="http://schemas.microsoft.com/office/drawing/2014/main" val="10004"/>
+                  </a:ext>
+                </a:extLst>
               </a:tr>
               <a:tr h="428284">
                 <a:tc>
@@ -6665,10 +6661,9 @@
                     <a:lstStyle/>
                     <a:p>
                       <a:r>
-                        <a:rPr lang="en-US" sz="2800" dirty="0" smtClean="0"/>
+                        <a:rPr lang="en-US" sz="2800" dirty="0"/>
                         <a:t>2</a:t>
                       </a:r>
-                      <a:endParaRPr lang="en-US" sz="2800" dirty="0"/>
                     </a:p>
                   </a:txBody>
                   <a:tcPr/>
@@ -6696,13 +6691,18 @@
                         <a:defRPr/>
                       </a:pPr>
                       <a:r>
-                        <a:rPr lang="en-US" sz="2800" dirty="0" smtClean="0"/>
+                        <a:rPr lang="en-US" sz="2800" dirty="0"/>
                         <a:t>Fragments</a:t>
                       </a:r>
                     </a:p>
                   </a:txBody>
                   <a:tcPr/>
                 </a:tc>
+                <a:extLst>
+                  <a:ext uri="{0D108BD9-81ED-4DB2-BD59-A6C34878D82A}">
+                    <a16:rowId xmlns:a16="http://schemas.microsoft.com/office/drawing/2014/main" val="10005"/>
+                  </a:ext>
+                </a:extLst>
               </a:tr>
             </a:tbl>
           </a:graphicData>
@@ -6734,8 +6734,20 @@
                 <a:tableStyleId>{5C22544A-7EE6-4342-B048-85BDC9FD1C3A}</a:tableStyleId>
               </a:tblPr>
               <a:tblGrid>
-                <a:gridCol w="589196"/>
-                <a:gridCol w="3685178"/>
+                <a:gridCol w="589196">
+                  <a:extLst>
+                    <a:ext uri="{9D8B030D-6E8A-4147-A177-3AD203B41FA5}">
+                      <a16:colId xmlns:a16="http://schemas.microsoft.com/office/drawing/2014/main" val="20000"/>
+                    </a:ext>
+                  </a:extLst>
+                </a:gridCol>
+                <a:gridCol w="3685178">
+                  <a:extLst>
+                    <a:ext uri="{9D8B030D-6E8A-4147-A177-3AD203B41FA5}">
+                      <a16:colId xmlns:a16="http://schemas.microsoft.com/office/drawing/2014/main" val="20001"/>
+                    </a:ext>
+                  </a:extLst>
+                </a:gridCol>
               </a:tblGrid>
               <a:tr h="375862">
                 <a:tc>
@@ -6744,10 +6756,9 @@
                     <a:lstStyle/>
                     <a:p>
                       <a:r>
-                        <a:rPr lang="en-US" dirty="0" smtClean="0"/>
+                        <a:rPr lang="en-US" dirty="0"/>
                         <a:t>Wk</a:t>
                       </a:r>
-                      <a:endParaRPr lang="en-US" dirty="0"/>
                     </a:p>
                   </a:txBody>
                   <a:tcPr/>
@@ -6758,14 +6769,18 @@
                     <a:lstStyle/>
                     <a:p>
                       <a:r>
-                        <a:rPr lang="en-US" dirty="0" smtClean="0"/>
+                        <a:rPr lang="en-US" dirty="0"/>
                         <a:t>Topic</a:t>
                       </a:r>
-                      <a:endParaRPr lang="en-US" dirty="0"/>
                     </a:p>
                   </a:txBody>
                   <a:tcPr/>
                 </a:tc>
+                <a:extLst>
+                  <a:ext uri="{0D108BD9-81ED-4DB2-BD59-A6C34878D82A}">
+                    <a16:rowId xmlns:a16="http://schemas.microsoft.com/office/drawing/2014/main" val="10000"/>
+                  </a:ext>
+                </a:extLst>
               </a:tr>
               <a:tr h="957676">
                 <a:tc>
@@ -6774,10 +6789,9 @@
                     <a:lstStyle/>
                     <a:p>
                       <a:r>
-                        <a:rPr lang="en-US" sz="2800" dirty="0" smtClean="0"/>
+                        <a:rPr lang="en-US" sz="2800" dirty="0"/>
                         <a:t>3</a:t>
                       </a:r>
-                      <a:endParaRPr lang="en-US" sz="2800" dirty="0"/>
                     </a:p>
                   </a:txBody>
                   <a:tcPr/>
@@ -6805,14 +6819,19 @@
                         <a:defRPr/>
                       </a:pPr>
                       <a:r>
-                        <a:rPr lang="en-US" sz="2800" baseline="0" dirty="0" smtClean="0"/>
+                        <a:rPr lang="en-US" sz="2800" baseline="0" dirty="0"/>
                         <a:t>Reading XML files + Asynch Tasks</a:t>
                       </a:r>
-                      <a:endParaRPr lang="en-US" sz="2800" dirty="0" smtClean="0"/>
+                      <a:endParaRPr lang="en-US" sz="2800" dirty="0"/>
                     </a:p>
                   </a:txBody>
                   <a:tcPr/>
                 </a:tc>
+                <a:extLst>
+                  <a:ext uri="{0D108BD9-81ED-4DB2-BD59-A6C34878D82A}">
+                    <a16:rowId xmlns:a16="http://schemas.microsoft.com/office/drawing/2014/main" val="10001"/>
+                  </a:ext>
+                </a:extLst>
               </a:tr>
               <a:tr h="525177">
                 <a:tc>
@@ -6821,10 +6840,9 @@
                     <a:lstStyle/>
                     <a:p>
                       <a:r>
-                        <a:rPr lang="en-US" sz="2800" dirty="0" smtClean="0"/>
+                        <a:rPr lang="en-US" sz="2800" dirty="0"/>
                         <a:t>3</a:t>
                       </a:r>
-                      <a:endParaRPr lang="en-US" sz="2800" dirty="0"/>
                     </a:p>
                   </a:txBody>
                   <a:tcPr/>
@@ -6852,13 +6870,18 @@
                         <a:defRPr/>
                       </a:pPr>
                       <a:r>
-                        <a:rPr lang="en-US" sz="2800" dirty="0" smtClean="0"/>
+                        <a:rPr lang="en-US" sz="2800" dirty="0"/>
                         <a:t>List Views</a:t>
                       </a:r>
                     </a:p>
                   </a:txBody>
                   <a:tcPr/>
                 </a:tc>
+                <a:extLst>
+                  <a:ext uri="{0D108BD9-81ED-4DB2-BD59-A6C34878D82A}">
+                    <a16:rowId xmlns:a16="http://schemas.microsoft.com/office/drawing/2014/main" val="10002"/>
+                  </a:ext>
+                </a:extLst>
               </a:tr>
               <a:tr h="525177">
                 <a:tc>
@@ -6867,10 +6890,9 @@
                     <a:lstStyle/>
                     <a:p>
                       <a:r>
-                        <a:rPr lang="en-US" sz="2800" dirty="0" smtClean="0"/>
+                        <a:rPr lang="en-US" sz="2800" dirty="0"/>
                         <a:t>3</a:t>
                       </a:r>
-                      <a:endParaRPr lang="en-US" sz="2800" dirty="0"/>
                     </a:p>
                   </a:txBody>
                   <a:tcPr/>
@@ -6898,18 +6920,23 @@
                         <a:defRPr/>
                       </a:pPr>
                       <a:r>
-                        <a:rPr lang="en-US" sz="2800" dirty="0" smtClean="0"/>
+                        <a:rPr lang="en-US" sz="2800" dirty="0"/>
                         <a:t>SQLite</a:t>
                       </a:r>
                       <a:r>
-                        <a:rPr lang="en-US" sz="2800" baseline="0" dirty="0" smtClean="0"/>
+                        <a:rPr lang="en-US" sz="2800" baseline="0" dirty="0"/>
                         <a:t> Database</a:t>
                       </a:r>
-                      <a:endParaRPr lang="en-US" sz="2800" dirty="0" smtClean="0"/>
+                      <a:endParaRPr lang="en-US" sz="2800" dirty="0"/>
                     </a:p>
                   </a:txBody>
                   <a:tcPr/>
                 </a:tc>
+                <a:extLst>
+                  <a:ext uri="{0D108BD9-81ED-4DB2-BD59-A6C34878D82A}">
+                    <a16:rowId xmlns:a16="http://schemas.microsoft.com/office/drawing/2014/main" val="10003"/>
+                  </a:ext>
+                </a:extLst>
               </a:tr>
               <a:tr h="957676">
                 <a:tc>
@@ -6918,10 +6945,9 @@
                     <a:lstStyle/>
                     <a:p>
                       <a:r>
-                        <a:rPr lang="en-US" sz="2800" dirty="0" smtClean="0"/>
+                        <a:rPr lang="en-US" sz="2800" dirty="0"/>
                         <a:t>4</a:t>
                       </a:r>
-                      <a:endParaRPr lang="en-US" sz="2800" dirty="0"/>
                     </a:p>
                   </a:txBody>
                   <a:tcPr/>
@@ -6949,13 +6975,18 @@
                         <a:defRPr/>
                       </a:pPr>
                       <a:r>
-                        <a:rPr lang="en-US" sz="2800" dirty="0" smtClean="0"/>
+                        <a:rPr lang="en-US" sz="2800" dirty="0"/>
                         <a:t>Consuming a web service</a:t>
                       </a:r>
                     </a:p>
                   </a:txBody>
                   <a:tcPr/>
                 </a:tc>
+                <a:extLst>
+                  <a:ext uri="{0D108BD9-81ED-4DB2-BD59-A6C34878D82A}">
+                    <a16:rowId xmlns:a16="http://schemas.microsoft.com/office/drawing/2014/main" val="10004"/>
+                  </a:ext>
+                </a:extLst>
               </a:tr>
               <a:tr h="525177">
                 <a:tc>
@@ -6964,10 +6995,9 @@
                     <a:lstStyle/>
                     <a:p>
                       <a:r>
-                        <a:rPr lang="en-US" sz="2800" dirty="0" smtClean="0"/>
+                        <a:rPr lang="en-US" sz="2800" dirty="0"/>
                         <a:t>4</a:t>
                       </a:r>
-                      <a:endParaRPr lang="en-US" sz="2800" dirty="0"/>
                     </a:p>
                   </a:txBody>
                   <a:tcPr/>
@@ -6995,13 +7025,18 @@
                         <a:defRPr/>
                       </a:pPr>
                       <a:r>
-                        <a:rPr lang="en-US" sz="2800" dirty="0" smtClean="0"/>
+                        <a:rPr lang="en-US" sz="2800" dirty="0"/>
                         <a:t>Geolocation</a:t>
                       </a:r>
                     </a:p>
                   </a:txBody>
                   <a:tcPr/>
                 </a:tc>
+                <a:extLst>
+                  <a:ext uri="{0D108BD9-81ED-4DB2-BD59-A6C34878D82A}">
+                    <a16:rowId xmlns:a16="http://schemas.microsoft.com/office/drawing/2014/main" val="10005"/>
+                  </a:ext>
+                </a:extLst>
               </a:tr>
             </a:tbl>
           </a:graphicData>
@@ -7088,7 +7123,7 @@
               </a:spcBef>
             </a:pPr>
             <a:r>
-              <a:rPr lang="en-US" sz="3600" dirty="0" smtClean="0">
+              <a:rPr lang="en-US" sz="3600" dirty="0">
                 <a:effectLst/>
               </a:rPr>
               <a:t>Application Development Work-Flow</a:t>
@@ -7152,10 +7187,9 @@
               <a:defRPr/>
             </a:pPr>
             <a:r>
-              <a:rPr lang="en-US" dirty="0" smtClean="0"/>
+              <a:rPr lang="en-US" dirty="0"/>
               <a:t>© 2015, Mike Murach &amp; Associates, Inc.</a:t>
             </a:r>
-            <a:endParaRPr lang="en-US" dirty="0"/>
           </a:p>
         </p:txBody>
       </p:sp>
@@ -7261,10 +7295,9 @@
           <a:lstStyle/>
           <a:p>
             <a:r>
-              <a:rPr lang="en-US" dirty="0" smtClean="0"/>
+              <a:rPr lang="en-US" dirty="0"/>
               <a:t>Exercise: Install Android Studio</a:t>
             </a:r>
-            <a:endParaRPr lang="en-US" dirty="0"/>
           </a:p>
         </p:txBody>
       </p:sp>
@@ -7284,61 +7317,47 @@
           <a:lstStyle/>
           <a:p>
             <a:r>
-              <a:rPr lang="en-US" dirty="0" smtClean="0"/>
+              <a:rPr lang="en-US" dirty="0"/>
               <a:t>Download and install Android Studio from:</a:t>
             </a:r>
             <a:br>
-              <a:rPr lang="en-US" dirty="0" smtClean="0"/>
+              <a:rPr lang="en-US" dirty="0"/>
             </a:br>
             <a:r>
               <a:rPr lang="en-US" dirty="0">
                 <a:hlinkClick r:id="rId2"/>
               </a:rPr>
-              <a:t>https://developer.android.com/studio</a:t>
-            </a:r>
-            <a:r>
-              <a:rPr lang="en-US" dirty="0" smtClean="0">
-                <a:hlinkClick r:id="rId2"/>
-              </a:rPr>
-              <a:t>/</a:t>
-            </a:r>
-            <a:r>
-              <a:rPr lang="en-US" dirty="0" smtClean="0"/>
-              <a:t/>
+              <a:t>https://developer.android.com/studio/</a:t>
             </a:r>
             <a:br>
-              <a:rPr lang="en-US" dirty="0" smtClean="0"/>
+              <a:rPr lang="en-US" dirty="0"/>
             </a:br>
-            <a:endParaRPr lang="en-US" dirty="0" smtClean="0"/>
-          </a:p>
-          <a:p>
-            <a:r>
-              <a:rPr lang="en-US" dirty="0"/>
-              <a:t>A</a:t>
-            </a:r>
-            <a:r>
-              <a:rPr lang="en-US" dirty="0" smtClean="0"/>
-              <a:t>vailable for:</a:t>
+            <a:endParaRPr lang="en-US" dirty="0"/>
+          </a:p>
+          <a:p>
+            <a:r>
+              <a:rPr lang="en-US" dirty="0"/>
+              <a:t>Available for:</a:t>
             </a:r>
           </a:p>
           <a:p>
             <a:pPr lvl="1"/>
             <a:r>
-              <a:rPr lang="en-US" dirty="0" smtClean="0"/>
+              <a:rPr lang="en-US" dirty="0"/>
               <a:t>OS X</a:t>
             </a:r>
           </a:p>
           <a:p>
             <a:pPr lvl="1"/>
             <a:r>
-              <a:rPr lang="en-US" dirty="0" smtClean="0"/>
+              <a:rPr lang="en-US" dirty="0"/>
               <a:t>Windows</a:t>
             </a:r>
           </a:p>
           <a:p>
             <a:pPr lvl="1"/>
             <a:r>
-              <a:rPr lang="en-US" dirty="0" smtClean="0"/>
+              <a:rPr lang="en-US" dirty="0"/>
               <a:t>Linux</a:t>
             </a:r>
           </a:p>
@@ -7416,10 +7435,9 @@
           <a:lstStyle/>
           <a:p>
             <a:r>
-              <a:rPr lang="en-US" dirty="0" smtClean="0"/>
+              <a:rPr lang="en-US" dirty="0"/>
               <a:t>Tour: The Android SDK</a:t>
             </a:r>
-            <a:endParaRPr lang="en-US" dirty="0"/>
           </a:p>
         </p:txBody>
       </p:sp>
@@ -7441,54 +7459,44 @@
           <a:lstStyle/>
           <a:p>
             <a:r>
-              <a:rPr lang="en-US" dirty="0" smtClean="0"/>
+              <a:rPr lang="en-US" dirty="0"/>
               <a:t>In the Android Studio menu, click on:</a:t>
             </a:r>
           </a:p>
           <a:p>
             <a:pPr lvl="1"/>
             <a:r>
-              <a:rPr lang="en-US" dirty="0" smtClean="0"/>
+              <a:rPr lang="en-US" dirty="0"/>
               <a:t>Tools</a:t>
             </a:r>
           </a:p>
           <a:p>
             <a:pPr lvl="2"/>
             <a:r>
-              <a:rPr lang="en-US" dirty="0" smtClean="0"/>
+              <a:rPr lang="en-US" dirty="0"/>
               <a:t>Android</a:t>
             </a:r>
           </a:p>
           <a:p>
             <a:pPr lvl="3"/>
             <a:r>
-              <a:rPr lang="en-US" dirty="0" smtClean="0"/>
+              <a:rPr lang="en-US" dirty="0"/>
               <a:t>SDK Manager</a:t>
             </a:r>
           </a:p>
           <a:p>
             <a:r>
-              <a:rPr lang="en-US" dirty="0" smtClean="0"/>
-              <a:t>Read about the Android SDK here</a:t>
-            </a:r>
-            <a:r>
-              <a:rPr lang="en-US" dirty="0"/>
-              <a:t>: </a:t>
+              <a:rPr lang="en-US" dirty="0"/>
+              <a:t>Read about the Android SDK here: </a:t>
             </a:r>
             <a:r>
               <a:rPr lang="en-US" dirty="0">
                 <a:hlinkClick r:id="rId2"/>
               </a:rPr>
-              <a:t>https://developer.android.com/studio/intro/update.html#sdk-</a:t>
-            </a:r>
-            <a:r>
-              <a:rPr lang="en-US" dirty="0" smtClean="0">
-                <a:hlinkClick r:id="rId2"/>
-              </a:rPr>
-              <a:t>manager</a:t>
-            </a:r>
-            <a:r>
-              <a:rPr lang="en-US" dirty="0" smtClean="0"/>
+              <a:t>https://developer.android.com/studio/intro/update.html#sdk-manager</a:t>
+            </a:r>
+            <a:r>
+              <a:rPr lang="en-US" dirty="0"/>
               <a:t> </a:t>
             </a:r>
           </a:p>
@@ -7566,10 +7574,9 @@
           <a:lstStyle/>
           <a:p>
             <a:r>
-              <a:rPr lang="en-US" dirty="0" smtClean="0"/>
+              <a:rPr lang="en-US" dirty="0"/>
               <a:t>Exercise: Configure an Emulator</a:t>
             </a:r>
-            <a:endParaRPr lang="en-US" dirty="0"/>
           </a:p>
         </p:txBody>
       </p:sp>
@@ -7591,54 +7598,44 @@
           <a:lstStyle/>
           <a:p>
             <a:r>
-              <a:rPr lang="en-US" dirty="0" smtClean="0"/>
+              <a:rPr lang="en-US" dirty="0"/>
               <a:t>In the Android Studio menu, click on:</a:t>
             </a:r>
           </a:p>
           <a:p>
             <a:pPr lvl="1"/>
             <a:r>
-              <a:rPr lang="en-US" dirty="0" smtClean="0"/>
+              <a:rPr lang="en-US" dirty="0"/>
               <a:t>Tools</a:t>
             </a:r>
           </a:p>
           <a:p>
             <a:pPr lvl="2"/>
             <a:r>
-              <a:rPr lang="en-US" dirty="0" smtClean="0"/>
+              <a:rPr lang="en-US" dirty="0"/>
               <a:t>Android</a:t>
             </a:r>
           </a:p>
           <a:p>
             <a:pPr lvl="3"/>
             <a:r>
-              <a:rPr lang="en-US" dirty="0" err="1" smtClean="0"/>
+              <a:rPr lang="en-US" dirty="0" err="1"/>
               <a:t>AVDManager</a:t>
             </a:r>
-            <a:endParaRPr lang="en-US" dirty="0" smtClean="0"/>
-          </a:p>
-          <a:p>
-            <a:r>
-              <a:rPr lang="en-US" dirty="0" smtClean="0"/>
-              <a:t>Read the AVD Configuration guide here</a:t>
-            </a:r>
-            <a:r>
-              <a:rPr lang="en-US" dirty="0"/>
-              <a:t>: </a:t>
+            <a:endParaRPr lang="en-US" dirty="0"/>
+          </a:p>
+          <a:p>
+            <a:r>
+              <a:rPr lang="en-US" dirty="0"/>
+              <a:t>Read the AVD Configuration guide here: </a:t>
             </a:r>
             <a:r>
               <a:rPr lang="en-US" dirty="0">
                 <a:hlinkClick r:id="rId3"/>
               </a:rPr>
-              <a:t>https://developer.android.com/studio/run/managing-</a:t>
-            </a:r>
-            <a:r>
-              <a:rPr lang="en-US" dirty="0" smtClean="0">
-                <a:hlinkClick r:id="rId3"/>
-              </a:rPr>
-              <a:t>avds.html</a:t>
-            </a:r>
-            <a:endParaRPr lang="en-US" dirty="0" smtClean="0"/>
+              <a:t>https://developer.android.com/studio/run/managing-avds.html</a:t>
+            </a:r>
+            <a:endParaRPr lang="en-US" dirty="0"/>
           </a:p>
           <a:p>
             <a:pPr marL="0" indent="0">
@@ -7717,10 +7714,9 @@
           <a:lstStyle/>
           <a:p>
             <a:r>
-              <a:rPr lang="en-US" dirty="0" smtClean="0"/>
+              <a:rPr lang="en-US" dirty="0"/>
               <a:t>Exercise: Build and Run an App</a:t>
             </a:r>
-            <a:endParaRPr lang="en-US" dirty="0"/>
           </a:p>
         </p:txBody>
       </p:sp>
@@ -7742,89 +7738,107 @@
           <a:lstStyle/>
           <a:p>
             <a:r>
-              <a:rPr lang="en-US" dirty="0" smtClean="0"/>
-              <a:t>Download the textbook apps and exercises </a:t>
-            </a:r>
-            <a:r>
-              <a:rPr lang="en-US" dirty="0"/>
-              <a:t>from</a:t>
+              <a:rPr lang="en-US" dirty="0"/>
+              <a:t>Download the textbook apps and exercises from</a:t>
             </a:r>
             <a:br>
               <a:rPr lang="en-US" dirty="0"/>
             </a:br>
             <a:r>
-              <a:rPr lang="en-US" sz="2800" dirty="0" smtClean="0">
+              <a:rPr lang="en-US" sz="2800" dirty="0">
                 <a:hlinkClick r:id="rId3"/>
               </a:rPr>
               <a:t>www.murach.com/shop/murach-s-android-programming-2nd-edition-detail</a:t>
             </a:r>
             <a:r>
-              <a:rPr lang="en-US" sz="2800" dirty="0" smtClean="0"/>
+              <a:rPr lang="en-US" sz="2800" dirty="0"/>
               <a:t> </a:t>
             </a:r>
-            <a:endParaRPr lang="en-US" sz="2800" dirty="0"/>
-          </a:p>
-          <a:p>
-            <a:r>
-              <a:rPr lang="en-US" dirty="0" smtClean="0"/>
+          </a:p>
+          <a:p>
+            <a:r>
+              <a:rPr lang="en-US" dirty="0"/>
               <a:t>Open the Ch. 3 </a:t>
             </a:r>
             <a:r>
-              <a:rPr lang="en-US" smtClean="0"/>
+              <a:rPr lang="en-US"/>
               <a:t>Tip Calculator project </a:t>
             </a:r>
             <a:r>
-              <a:rPr lang="en-US" dirty="0" smtClean="0"/>
+              <a:rPr lang="en-US" dirty="0"/>
               <a:t>in Android </a:t>
             </a:r>
             <a:r>
-              <a:rPr lang="en-US" smtClean="0"/>
+              <a:rPr lang="en-US"/>
               <a:t>Studio (</a:t>
             </a:r>
             <a:r>
-              <a:rPr lang="en-US" dirty="0" smtClean="0"/>
+              <a:rPr lang="en-US" dirty="0"/>
               <a:t>builds automatically)</a:t>
             </a:r>
           </a:p>
           <a:p>
             <a:r>
-              <a:rPr lang="en-US" dirty="0" smtClean="0"/>
+              <a:rPr lang="en-US" dirty="0"/>
               <a:t>Run the app on an emulator</a:t>
             </a:r>
           </a:p>
           <a:p>
             <a:r>
-              <a:rPr lang="en-US" dirty="0" smtClean="0"/>
+              <a:rPr lang="en-US" dirty="0"/>
               <a:t>Run the app on a physical device</a:t>
             </a:r>
           </a:p>
           <a:p>
             <a:pPr lvl="1"/>
             <a:r>
-              <a:rPr lang="en-US" dirty="0" smtClean="0"/>
-              <a:t>How to enable </a:t>
-            </a:r>
-            <a:r>
-              <a:rPr lang="en-US" dirty="0"/>
-              <a:t>developer mode</a:t>
-            </a:r>
-            <a:r>
-              <a:rPr lang="en-US" dirty="0" smtClean="0"/>
-              <a:t>:</a:t>
+              <a:rPr lang="en-US" dirty="0"/>
+              <a:t>How to enable developer mode:</a:t>
             </a:r>
             <a:br>
-              <a:rPr lang="en-US" dirty="0" smtClean="0"/>
+              <a:rPr lang="en-US" dirty="0"/>
             </a:br>
             <a:r>
-              <a:rPr lang="en-US" dirty="0" smtClean="0">
+              <a:rPr lang="en-US" dirty="0">
                 <a:hlinkClick r:id="rId4"/>
               </a:rPr>
               <a:t>birdsbits.wordpress.com/2014/10/02/how-to-enable-developer-mode-on-an-android-device</a:t>
             </a:r>
             <a:r>
-              <a:rPr lang="en-US" dirty="0" smtClean="0"/>
+              <a:rPr lang="en-US" dirty="0"/>
               <a:t> </a:t>
             </a:r>
+          </a:p>
+        </p:txBody>
+      </p:sp>
+      <p:sp>
+        <p:nvSpPr>
+          <p:cNvPr id="4" name="TextBox 3">
+            <a:extLst>
+              <a:ext uri="{FF2B5EF4-FFF2-40B4-BE49-F238E27FC236}">
+                <a16:creationId xmlns:a16="http://schemas.microsoft.com/office/drawing/2014/main" id="{DCCF4AEB-6625-6A49-B4EF-CB775B50A1DE}"/>
+              </a:ext>
+            </a:extLst>
+          </p:cNvPr>
+          <p:cNvSpPr txBox="1"/>
+          <p:nvPr/>
+        </p:nvSpPr>
+        <p:spPr>
+          <a:xfrm>
+            <a:off x="-1448972" y="2644726"/>
+            <a:ext cx="184731" cy="369332"/>
+          </a:xfrm>
+          <a:prstGeom prst="rect">
+            <a:avLst/>
+          </a:prstGeom>
+          <a:noFill/>
+        </p:spPr>
+        <p:txBody>
+          <a:bodyPr wrap="none" rtlCol="0">
+            <a:spAutoFit/>
+          </a:bodyPr>
+          <a:lstStyle/>
+          <a:p>
             <a:endParaRPr lang="en-US" dirty="0"/>
           </a:p>
         </p:txBody>
@@ -7898,10 +7912,9 @@
           <a:lstStyle/>
           <a:p>
             <a:r>
-              <a:rPr lang="en-US" dirty="0" smtClean="0"/>
+              <a:rPr lang="en-US" dirty="0"/>
               <a:t>About me</a:t>
             </a:r>
-            <a:endParaRPr lang="en-US" dirty="0"/>
           </a:p>
         </p:txBody>
       </p:sp>
@@ -7923,38 +7936,33 @@
           <a:lstStyle/>
           <a:p>
             <a:r>
-              <a:rPr lang="en-US" dirty="0" smtClean="0"/>
+              <a:rPr lang="en-US" dirty="0"/>
               <a:t>BSEE from PSU, MA in Linguistics from U of O</a:t>
             </a:r>
           </a:p>
           <a:p>
             <a:r>
-              <a:rPr lang="en-US" dirty="0" smtClean="0"/>
+              <a:rPr lang="en-US" dirty="0"/>
               <a:t>Worked as an EE at TriQuint Semiconductor, then morphed into a software engineer.</a:t>
             </a:r>
           </a:p>
           <a:p>
             <a:r>
-              <a:rPr lang="en-US" dirty="0" smtClean="0"/>
+              <a:rPr lang="en-US" dirty="0"/>
               <a:t>Senior software engineer at Axian Inc.</a:t>
             </a:r>
           </a:p>
           <a:p>
             <a:r>
-              <a:rPr lang="en-US" dirty="0" smtClean="0"/>
+              <a:rPr lang="en-US" dirty="0"/>
               <a:t>Started Creative CyberSolutions, a software development business</a:t>
             </a:r>
           </a:p>
           <a:p>
             <a:r>
               <a:rPr lang="en-US" dirty="0"/>
-              <a:t>Lane Community College, Computer Information Technology (CIT) </a:t>
-            </a:r>
-            <a:r>
-              <a:rPr lang="en-US" dirty="0" smtClean="0"/>
-              <a:t>faculty since 2009</a:t>
-            </a:r>
-            <a:endParaRPr lang="en-US" dirty="0"/>
+              <a:t>Lane Community College, Computer Information Technology (CIT) faculty since 2009</a:t>
+            </a:r>
           </a:p>
           <a:p>
             <a:pPr marL="0" indent="0">
@@ -8033,54 +8041,49 @@
           <a:lstStyle/>
           <a:p>
             <a:r>
-              <a:rPr lang="en-US" dirty="0" smtClean="0"/>
+              <a:rPr lang="en-US" dirty="0"/>
               <a:t>About you</a:t>
             </a:r>
+          </a:p>
+        </p:txBody>
+      </p:sp>
+      <p:sp>
+        <p:nvSpPr>
+          <p:cNvPr id="3" name="Content Placeholder 2"/>
+          <p:cNvSpPr>
+            <a:spLocks noGrp="1"/>
+          </p:cNvSpPr>
+          <p:nvPr>
+            <p:ph idx="1"/>
+          </p:nvPr>
+        </p:nvSpPr>
+        <p:spPr/>
+        <p:txBody>
+          <a:bodyPr/>
+          <a:lstStyle/>
+          <a:p>
+            <a:r>
+              <a:rPr lang="en-US" dirty="0"/>
+              <a:t>Which degree are you pursuing?</a:t>
+            </a:r>
+          </a:p>
+          <a:p>
+            <a:r>
+              <a:rPr lang="en-US" dirty="0"/>
+              <a:t>What mobile devices do you own?</a:t>
+            </a:r>
+          </a:p>
+          <a:p>
+            <a:r>
+              <a:rPr lang="en-US" dirty="0"/>
+              <a:t>Programming experience?</a:t>
+            </a:r>
+          </a:p>
+          <a:p>
             <a:endParaRPr lang="en-US" dirty="0"/>
           </a:p>
-        </p:txBody>
-      </p:sp>
-      <p:sp>
-        <p:nvSpPr>
-          <p:cNvPr id="3" name="Content Placeholder 2"/>
-          <p:cNvSpPr>
-            <a:spLocks noGrp="1"/>
-          </p:cNvSpPr>
-          <p:nvPr>
-            <p:ph idx="1"/>
-          </p:nvPr>
-        </p:nvSpPr>
-        <p:spPr/>
-        <p:txBody>
-          <a:bodyPr/>
-          <a:lstStyle/>
-          <a:p>
-            <a:r>
-              <a:rPr lang="en-US" dirty="0" smtClean="0"/>
-              <a:t>Which degree are you pursuing?</a:t>
-            </a:r>
-          </a:p>
-          <a:p>
-            <a:r>
-              <a:rPr lang="en-US" dirty="0" smtClean="0"/>
-              <a:t>What mobile devices do you own?</a:t>
-            </a:r>
-          </a:p>
-          <a:p>
-            <a:r>
-              <a:rPr lang="en-US" dirty="0"/>
-              <a:t>Programming experience</a:t>
-            </a:r>
-            <a:r>
-              <a:rPr lang="en-US" dirty="0" smtClean="0"/>
-              <a:t>?</a:t>
-            </a:r>
-          </a:p>
           <a:p>
             <a:endParaRPr lang="en-US" dirty="0"/>
-          </a:p>
-          <a:p>
-            <a:endParaRPr lang="en-US" dirty="0" smtClean="0"/>
           </a:p>
           <a:p>
             <a:pPr marL="0" indent="0">
@@ -8159,10 +8162,9 @@
           <a:lstStyle/>
           <a:p>
             <a:r>
-              <a:rPr lang="en-US" dirty="0" smtClean="0"/>
+              <a:rPr lang="en-US" dirty="0"/>
               <a:t>Introduction</a:t>
             </a:r>
-            <a:endParaRPr lang="en-US" dirty="0"/>
           </a:p>
         </p:txBody>
       </p:sp>
@@ -8185,32 +8187,32 @@
               <a:buNone/>
             </a:pPr>
             <a:r>
-              <a:rPr lang="en-US" dirty="0" smtClean="0"/>
+              <a:rPr lang="en-US" dirty="0"/>
               <a:t>In the next few slides we will discuss:</a:t>
             </a:r>
           </a:p>
           <a:p>
             <a:r>
-              <a:rPr lang="en-US" dirty="0" smtClean="0"/>
+              <a:rPr lang="en-US" dirty="0"/>
               <a:t>Why learn to do mobile app development?</a:t>
             </a:r>
           </a:p>
           <a:p>
             <a:pPr lvl="1"/>
             <a:r>
-              <a:rPr lang="en-US" dirty="0" smtClean="0"/>
+              <a:rPr lang="en-US" dirty="0"/>
               <a:t>Why Android?</a:t>
             </a:r>
           </a:p>
           <a:p>
             <a:r>
-              <a:rPr lang="en-US" dirty="0" smtClean="0"/>
+              <a:rPr lang="en-US" dirty="0"/>
               <a:t>How is mobile app development different from other types of development?</a:t>
             </a:r>
           </a:p>
           <a:p>
             <a:r>
-              <a:rPr lang="en-US" dirty="0" smtClean="0"/>
+              <a:rPr lang="en-US" dirty="0"/>
               <a:t>What tools and frameworks can be used for mobile app development?</a:t>
             </a:r>
           </a:p>
@@ -8288,21 +8290,8 @@
           <a:p>
             <a:r>
               <a:rPr lang="en-US" dirty="0"/>
-              <a:t>Why learn </a:t>
-            </a:r>
-            <a:r>
-              <a:rPr lang="en-US" dirty="0" smtClean="0"/>
-              <a:t>mobile </a:t>
-            </a:r>
-            <a:r>
-              <a:rPr lang="en-US" dirty="0"/>
-              <a:t>app development</a:t>
-            </a:r>
-            <a:r>
-              <a:rPr lang="en-US" dirty="0" smtClean="0"/>
-              <a:t>?</a:t>
-            </a:r>
-            <a:endParaRPr lang="en-US" dirty="0"/>
+              <a:t>Why learn mobile app development?</a:t>
+            </a:r>
           </a:p>
         </p:txBody>
       </p:sp>
@@ -8324,14 +8313,14 @@
             <a:pPr marL="0" indent="0" algn="ctr">
               <a:buNone/>
             </a:pPr>
-            <a:endParaRPr lang="en-US" dirty="0" smtClean="0"/>
+            <a:endParaRPr lang="en-US" dirty="0"/>
           </a:p>
           <a:p>
             <a:pPr marL="0" indent="0" algn="ctr">
               <a:buNone/>
             </a:pPr>
             <a:r>
-              <a:rPr lang="en-US" dirty="0" smtClean="0"/>
+              <a:rPr lang="en-US" dirty="0"/>
               <a:t>What reasons can you think of?</a:t>
             </a:r>
           </a:p>
@@ -8409,28 +8398,15 @@
           <a:p>
             <a:r>
               <a:rPr lang="en-US" dirty="0"/>
-              <a:t>Why learn </a:t>
-            </a:r>
-            <a:r>
-              <a:rPr lang="en-US" dirty="0" smtClean="0"/>
-              <a:t>mobile </a:t>
-            </a:r>
-            <a:r>
-              <a:rPr lang="en-US" dirty="0"/>
-              <a:t>app development</a:t>
-            </a:r>
-            <a:r>
-              <a:rPr lang="en-US" dirty="0" smtClean="0"/>
-              <a:t>?</a:t>
+              <a:t>Why learn mobile app development?</a:t>
             </a:r>
             <a:br>
-              <a:rPr lang="en-US" dirty="0" smtClean="0"/>
+              <a:rPr lang="en-US" dirty="0"/>
             </a:br>
             <a:r>
-              <a:rPr lang="en-US" dirty="0" smtClean="0"/>
+              <a:rPr lang="en-US" dirty="0"/>
               <a:t>1. Business opportunity</a:t>
             </a:r>
-            <a:endParaRPr lang="en-US" dirty="0"/>
           </a:p>
         </p:txBody>
       </p:sp>
@@ -8453,12 +8429,12 @@
               <a:buNone/>
             </a:pPr>
             <a:r>
-              <a:rPr lang="en-US" dirty="0" smtClean="0"/>
+              <a:rPr lang="en-US" dirty="0"/>
               <a:t>Mobile users outnumber desktop users</a:t>
             </a:r>
           </a:p>
           <a:p>
-            <a:endParaRPr lang="en-US" dirty="0" smtClean="0"/>
+            <a:endParaRPr lang="en-US" dirty="0"/>
           </a:p>
         </p:txBody>
       </p:sp>
@@ -8564,21 +8540,8 @@
           <a:p>
             <a:r>
               <a:rPr lang="en-US" dirty="0"/>
-              <a:t>Why learn </a:t>
-            </a:r>
-            <a:r>
-              <a:rPr lang="en-US" dirty="0" smtClean="0"/>
-              <a:t>mobile </a:t>
-            </a:r>
-            <a:r>
-              <a:rPr lang="en-US" dirty="0"/>
-              <a:t>app development</a:t>
-            </a:r>
-            <a:r>
-              <a:rPr lang="en-US" dirty="0" smtClean="0"/>
-              <a:t>?</a:t>
-            </a:r>
-            <a:endParaRPr lang="en-US" dirty="0"/>
+              <a:t>Why learn mobile app development?</a:t>
+            </a:r>
           </a:p>
         </p:txBody>
       </p:sp>
@@ -8602,25 +8565,21 @@
             </a:pPr>
             <a:r>
               <a:rPr lang="en-US" dirty="0"/>
-              <a:t>2. It’s fun and </a:t>
-            </a:r>
-            <a:r>
-              <a:rPr lang="en-US" dirty="0" smtClean="0"/>
-              <a:t>interesting</a:t>
+              <a:t>2. It’s fun and interesting</a:t>
             </a:r>
           </a:p>
           <a:p>
             <a:pPr marL="0" indent="0">
               <a:buNone/>
             </a:pPr>
-            <a:endParaRPr lang="en-US" dirty="0" smtClean="0"/>
+            <a:endParaRPr lang="en-US" dirty="0"/>
           </a:p>
           <a:p>
             <a:pPr marL="0" indent="0">
               <a:buNone/>
             </a:pPr>
             <a:r>
-              <a:rPr lang="en-US" dirty="0" smtClean="0"/>
+              <a:rPr lang="en-US" dirty="0"/>
               <a:t>What is fun and interesting about it to you?</a:t>
             </a:r>
           </a:p>
@@ -8636,13 +8595,6 @@
   <p:clrMapOvr>
     <a:masterClrMapping/>
   </p:clrMapOvr>
-  <p:timing>
-    <p:tnLst>
-      <p:par>
-        <p:cTn id="1" dur="indefinite" restart="never" nodeType="tmRoot"/>
-      </p:par>
-    </p:tnLst>
-  </p:timing>
 </p:sld>
 </file>
 
@@ -8705,28 +8657,15 @@
           <a:p>
             <a:r>
               <a:rPr lang="en-US" dirty="0"/>
-              <a:t>Why learn </a:t>
-            </a:r>
-            <a:r>
-              <a:rPr lang="en-US" dirty="0" smtClean="0"/>
-              <a:t>mobile </a:t>
-            </a:r>
-            <a:r>
-              <a:rPr lang="en-US" dirty="0"/>
-              <a:t>app development</a:t>
-            </a:r>
-            <a:r>
-              <a:rPr lang="en-US" dirty="0" smtClean="0"/>
-              <a:t>?</a:t>
+              <a:t>Why learn mobile app development?</a:t>
             </a:r>
             <a:br>
-              <a:rPr lang="en-US" dirty="0" smtClean="0"/>
+              <a:rPr lang="en-US" dirty="0"/>
             </a:br>
             <a:r>
-              <a:rPr lang="en-US" dirty="0" smtClean="0"/>
+              <a:rPr lang="en-US" dirty="0"/>
               <a:t>2. It’s fun and interesting</a:t>
             </a:r>
-            <a:endParaRPr lang="en-US" dirty="0"/>
           </a:p>
         </p:txBody>
       </p:sp>
@@ -8746,19 +8685,19 @@
           <a:lstStyle/>
           <a:p>
             <a:r>
-              <a:rPr lang="en-US" dirty="0" smtClean="0"/>
+              <a:rPr lang="en-US" dirty="0"/>
               <a:t>Mobile apps are more “personal”. They go with you everywhere</a:t>
             </a:r>
           </a:p>
           <a:p>
             <a:r>
-              <a:rPr lang="en-US" dirty="0" smtClean="0"/>
+              <a:rPr lang="en-US" dirty="0"/>
               <a:t>Mobile devices have useful sensors: geolocation, temperature, accelerometers, touch, etc.</a:t>
             </a:r>
           </a:p>
           <a:p>
             <a:r>
-              <a:rPr lang="en-US" dirty="0" smtClean="0"/>
+              <a:rPr lang="en-US" dirty="0"/>
               <a:t>Mobile phone apps can incorporate communication features</a:t>
             </a:r>
           </a:p>
@@ -8774,13 +8713,6 @@
   <p:clrMapOvr>
     <a:masterClrMapping/>
   </p:clrMapOvr>
-  <p:timing>
-    <p:tnLst>
-      <p:par>
-        <p:cTn id="1" dur="indefinite" restart="never" nodeType="tmRoot"/>
-      </p:par>
-    </p:tnLst>
-  </p:timing>
 </p:sld>
 </file>
 

--- a/Notes and Slides/CIS399Wk1Day1-Intro.pptx
+++ b/Notes and Slides/CIS399Wk1Day1-Intro.pptx
@@ -231,7 +231,7 @@
           <a:p>
             <a:fld id="{1FC32AA1-1225-9048-80C3-2B6F58548154}" type="datetimeFigureOut">
               <a:rPr lang="en-US" smtClean="0"/>
-              <a:t>6/25/18</a:t>
+              <a:t>6/26/18</a:t>
             </a:fld>
             <a:endParaRPr lang="en-US"/>
           </a:p>
@@ -1804,7 +1804,7 @@
           <a:p>
             <a:fld id="{12110144-19AD-4D4E-902D-E18AF93089D3}" type="datetimeFigureOut">
               <a:rPr lang="en-US" smtClean="0"/>
-              <a:t>6/25/18</a:t>
+              <a:t>6/26/18</a:t>
             </a:fld>
             <a:endParaRPr lang="en-US"/>
           </a:p>
@@ -1972,7 +1972,7 @@
           <a:p>
             <a:fld id="{12110144-19AD-4D4E-902D-E18AF93089D3}" type="datetimeFigureOut">
               <a:rPr lang="en-US" smtClean="0"/>
-              <a:t>6/25/18</a:t>
+              <a:t>6/26/18</a:t>
             </a:fld>
             <a:endParaRPr lang="en-US"/>
           </a:p>
@@ -2150,7 +2150,7 @@
           <a:p>
             <a:fld id="{12110144-19AD-4D4E-902D-E18AF93089D3}" type="datetimeFigureOut">
               <a:rPr lang="en-US" smtClean="0"/>
-              <a:t>6/25/18</a:t>
+              <a:t>6/26/18</a:t>
             </a:fld>
             <a:endParaRPr lang="en-US"/>
           </a:p>
@@ -2318,7 +2318,7 @@
           <a:p>
             <a:fld id="{12110144-19AD-4D4E-902D-E18AF93089D3}" type="datetimeFigureOut">
               <a:rPr lang="en-US" smtClean="0"/>
-              <a:t>6/25/18</a:t>
+              <a:t>6/26/18</a:t>
             </a:fld>
             <a:endParaRPr lang="en-US"/>
           </a:p>
@@ -2563,7 +2563,7 @@
           <a:p>
             <a:fld id="{12110144-19AD-4D4E-902D-E18AF93089D3}" type="datetimeFigureOut">
               <a:rPr lang="en-US" smtClean="0"/>
-              <a:t>6/25/18</a:t>
+              <a:t>6/26/18</a:t>
             </a:fld>
             <a:endParaRPr lang="en-US"/>
           </a:p>
@@ -2848,7 +2848,7 @@
           <a:p>
             <a:fld id="{12110144-19AD-4D4E-902D-E18AF93089D3}" type="datetimeFigureOut">
               <a:rPr lang="en-US" smtClean="0"/>
-              <a:t>6/25/18</a:t>
+              <a:t>6/26/18</a:t>
             </a:fld>
             <a:endParaRPr lang="en-US"/>
           </a:p>
@@ -3267,7 +3267,7 @@
           <a:p>
             <a:fld id="{12110144-19AD-4D4E-902D-E18AF93089D3}" type="datetimeFigureOut">
               <a:rPr lang="en-US" smtClean="0"/>
-              <a:t>6/25/18</a:t>
+              <a:t>6/26/18</a:t>
             </a:fld>
             <a:endParaRPr lang="en-US"/>
           </a:p>
@@ -3384,7 +3384,7 @@
           <a:p>
             <a:fld id="{12110144-19AD-4D4E-902D-E18AF93089D3}" type="datetimeFigureOut">
               <a:rPr lang="en-US" smtClean="0"/>
-              <a:t>6/25/18</a:t>
+              <a:t>6/26/18</a:t>
             </a:fld>
             <a:endParaRPr lang="en-US"/>
           </a:p>
@@ -3479,7 +3479,7 @@
           <a:p>
             <a:fld id="{12110144-19AD-4D4E-902D-E18AF93089D3}" type="datetimeFigureOut">
               <a:rPr lang="en-US" smtClean="0"/>
-              <a:t>6/25/18</a:t>
+              <a:t>6/26/18</a:t>
             </a:fld>
             <a:endParaRPr lang="en-US"/>
           </a:p>
@@ -3754,7 +3754,7 @@
           <a:p>
             <a:fld id="{12110144-19AD-4D4E-902D-E18AF93089D3}" type="datetimeFigureOut">
               <a:rPr lang="en-US" smtClean="0"/>
-              <a:t>6/25/18</a:t>
+              <a:t>6/26/18</a:t>
             </a:fld>
             <a:endParaRPr lang="en-US"/>
           </a:p>
@@ -4006,7 +4006,7 @@
           <a:p>
             <a:fld id="{12110144-19AD-4D4E-902D-E18AF93089D3}" type="datetimeFigureOut">
               <a:rPr lang="en-US" smtClean="0"/>
-              <a:t>6/25/18</a:t>
+              <a:t>6/26/18</a:t>
             </a:fld>
             <a:endParaRPr lang="en-US"/>
           </a:p>
@@ -4217,7 +4217,7 @@
           <a:p>
             <a:fld id="{12110144-19AD-4D4E-902D-E18AF93089D3}" type="datetimeFigureOut">
               <a:rPr lang="en-US" smtClean="0"/>
-              <a:t>6/25/18</a:t>
+              <a:t>6/26/18</a:t>
             </a:fld>
             <a:endParaRPr lang="en-US"/>
           </a:p>
@@ -7758,23 +7758,7 @@
           <a:p>
             <a:r>
               <a:rPr lang="en-US" dirty="0"/>
-              <a:t>Open the Ch. 3 </a:t>
-            </a:r>
-            <a:r>
-              <a:rPr lang="en-US"/>
-              <a:t>Tip Calculator project </a:t>
-            </a:r>
-            <a:r>
-              <a:rPr lang="en-US" dirty="0"/>
-              <a:t>in Android </a:t>
-            </a:r>
-            <a:r>
-              <a:rPr lang="en-US"/>
-              <a:t>Studio (</a:t>
-            </a:r>
-            <a:r>
-              <a:rPr lang="en-US" dirty="0"/>
-              <a:t>builds automatically)</a:t>
+              <a:t>Open the Ch. 3 Tip Calculator project in Android Studio (builds automatically)</a:t>
             </a:r>
           </a:p>
           <a:p>
